--- a/docs/sketch.pptx
+++ b/docs/sketch.pptx
@@ -8,9 +8,10 @@
     <p:sldId id="263" r:id="rId2"/>
     <p:sldId id="257" r:id="rId3"/>
     <p:sldId id="261" r:id="rId4"/>
-    <p:sldId id="262" r:id="rId5"/>
-    <p:sldId id="258" r:id="rId6"/>
-    <p:sldId id="259" r:id="rId7"/>
+    <p:sldId id="258" r:id="rId5"/>
+    <p:sldId id="259" r:id="rId6"/>
+    <p:sldId id="268" r:id="rId7"/>
+    <p:sldId id="269" r:id="rId8"/>
   </p:sldIdLst>
   <p:sldSz cx="12192000" cy="6858000"/>
   <p:notesSz cx="6858000" cy="9144000"/>
@@ -109,6 +110,11 @@
       </a:defRPr>
     </a:lvl9pPr>
   </p:defaultTextStyle>
+  <p:extLst>
+    <p:ext uri="{EFAFB233-063F-42B5-8137-9DF3F51BA10A}">
+      <p15:sldGuideLst xmlns:p15="http://schemas.microsoft.com/office/powerpoint/2012/main"/>
+    </p:ext>
+  </p:extLst>
 </p:presentation>
 </file>
 
@@ -259,7 +265,7 @@
           <a:p>
             <a:fld id="{3E0CD9BB-D454-4753-80A3-C4839F4D5234}" type="datetimeFigureOut">
               <a:rPr lang="ru-RU" smtClean="0"/>
-              <a:t>18.02.2025</a:t>
+              <a:t>23.02.2025</a:t>
             </a:fld>
             <a:endParaRPr lang="ru-RU"/>
           </a:p>
@@ -457,7 +463,7 @@
           <a:p>
             <a:fld id="{3E0CD9BB-D454-4753-80A3-C4839F4D5234}" type="datetimeFigureOut">
               <a:rPr lang="ru-RU" smtClean="0"/>
-              <a:t>18.02.2025</a:t>
+              <a:t>23.02.2025</a:t>
             </a:fld>
             <a:endParaRPr lang="ru-RU"/>
           </a:p>
@@ -665,7 +671,7 @@
           <a:p>
             <a:fld id="{3E0CD9BB-D454-4753-80A3-C4839F4D5234}" type="datetimeFigureOut">
               <a:rPr lang="ru-RU" smtClean="0"/>
-              <a:t>18.02.2025</a:t>
+              <a:t>23.02.2025</a:t>
             </a:fld>
             <a:endParaRPr lang="ru-RU"/>
           </a:p>
@@ -863,7 +869,7 @@
           <a:p>
             <a:fld id="{3E0CD9BB-D454-4753-80A3-C4839F4D5234}" type="datetimeFigureOut">
               <a:rPr lang="ru-RU" smtClean="0"/>
-              <a:t>18.02.2025</a:t>
+              <a:t>23.02.2025</a:t>
             </a:fld>
             <a:endParaRPr lang="ru-RU"/>
           </a:p>
@@ -1138,7 +1144,7 @@
           <a:p>
             <a:fld id="{3E0CD9BB-D454-4753-80A3-C4839F4D5234}" type="datetimeFigureOut">
               <a:rPr lang="ru-RU" smtClean="0"/>
-              <a:t>18.02.2025</a:t>
+              <a:t>23.02.2025</a:t>
             </a:fld>
             <a:endParaRPr lang="ru-RU"/>
           </a:p>
@@ -1403,7 +1409,7 @@
           <a:p>
             <a:fld id="{3E0CD9BB-D454-4753-80A3-C4839F4D5234}" type="datetimeFigureOut">
               <a:rPr lang="ru-RU" smtClean="0"/>
-              <a:t>18.02.2025</a:t>
+              <a:t>23.02.2025</a:t>
             </a:fld>
             <a:endParaRPr lang="ru-RU"/>
           </a:p>
@@ -1815,7 +1821,7 @@
           <a:p>
             <a:fld id="{3E0CD9BB-D454-4753-80A3-C4839F4D5234}" type="datetimeFigureOut">
               <a:rPr lang="ru-RU" smtClean="0"/>
-              <a:t>18.02.2025</a:t>
+              <a:t>23.02.2025</a:t>
             </a:fld>
             <a:endParaRPr lang="ru-RU"/>
           </a:p>
@@ -1956,7 +1962,7 @@
           <a:p>
             <a:fld id="{3E0CD9BB-D454-4753-80A3-C4839F4D5234}" type="datetimeFigureOut">
               <a:rPr lang="ru-RU" smtClean="0"/>
-              <a:t>18.02.2025</a:t>
+              <a:t>23.02.2025</a:t>
             </a:fld>
             <a:endParaRPr lang="ru-RU"/>
           </a:p>
@@ -2069,7 +2075,7 @@
           <a:p>
             <a:fld id="{3E0CD9BB-D454-4753-80A3-C4839F4D5234}" type="datetimeFigureOut">
               <a:rPr lang="ru-RU" smtClean="0"/>
-              <a:t>18.02.2025</a:t>
+              <a:t>23.02.2025</a:t>
             </a:fld>
             <a:endParaRPr lang="ru-RU"/>
           </a:p>
@@ -2380,7 +2386,7 @@
           <a:p>
             <a:fld id="{3E0CD9BB-D454-4753-80A3-C4839F4D5234}" type="datetimeFigureOut">
               <a:rPr lang="ru-RU" smtClean="0"/>
-              <a:t>18.02.2025</a:t>
+              <a:t>23.02.2025</a:t>
             </a:fld>
             <a:endParaRPr lang="ru-RU"/>
           </a:p>
@@ -2668,7 +2674,7 @@
           <a:p>
             <a:fld id="{3E0CD9BB-D454-4753-80A3-C4839F4D5234}" type="datetimeFigureOut">
               <a:rPr lang="ru-RU" smtClean="0"/>
-              <a:t>18.02.2025</a:t>
+              <a:t>23.02.2025</a:t>
             </a:fld>
             <a:endParaRPr lang="ru-RU"/>
           </a:p>
@@ -2909,7 +2915,7 @@
           <a:p>
             <a:fld id="{3E0CD9BB-D454-4753-80A3-C4839F4D5234}" type="datetimeFigureOut">
               <a:rPr lang="ru-RU" smtClean="0"/>
-              <a:t>18.02.2025</a:t>
+              <a:t>23.02.2025</a:t>
             </a:fld>
             <a:endParaRPr lang="ru-RU"/>
           </a:p>
@@ -8361,56 +8367,6 @@
           </a:p>
         </p:txBody>
       </p:sp>
-      <p:pic>
-        <p:nvPicPr>
-          <p:cNvPr id="2050" name="Picture 2">
-            <a:extLst>
-              <a:ext uri="{FF2B5EF4-FFF2-40B4-BE49-F238E27FC236}">
-                <a16:creationId xmlns:a16="http://schemas.microsoft.com/office/drawing/2014/main" id="{B244EB70-87E6-F8DA-6D42-1C0DA6A39386}"/>
-              </a:ext>
-            </a:extLst>
-          </p:cNvPr>
-          <p:cNvPicPr>
-            <a:picLocks noChangeAspect="1" noChangeArrowheads="1"/>
-          </p:cNvPicPr>
-          <p:nvPr/>
-        </p:nvPicPr>
-        <p:blipFill>
-          <a:blip r:embed="rId2">
-            <a:extLst>
-              <a:ext uri="{28A0092B-C50C-407E-A947-70E740481C1C}">
-                <a14:useLocalDpi xmlns:a14="http://schemas.microsoft.com/office/drawing/2010/main" val="0"/>
-              </a:ext>
-            </a:extLst>
-          </a:blip>
-          <a:srcRect/>
-          <a:stretch>
-            <a:fillRect/>
-          </a:stretch>
-        </p:blipFill>
-        <p:spPr bwMode="auto">
-          <a:xfrm>
-            <a:off x="5345749" y="7661755"/>
-            <a:ext cx="5724525" cy="5076825"/>
-          </a:xfrm>
-          <a:prstGeom prst="rect">
-            <a:avLst/>
-          </a:prstGeom>
-          <a:noFill/>
-          <a:ln>
-            <a:noFill/>
-          </a:ln>
-          <a:extLst>
-            <a:ext uri="{909E8E84-426E-40DD-AFC4-6F175D3DCCD1}">
-              <a14:hiddenFill xmlns:a14="http://schemas.microsoft.com/office/drawing/2010/main">
-                <a:solidFill>
-                  <a:srgbClr val="FFFFFF"/>
-                </a:solidFill>
-              </a14:hiddenFill>
-            </a:ext>
-          </a:extLst>
-        </p:spPr>
-      </p:pic>
       <p:sp>
         <p:nvSpPr>
           <p:cNvPr id="41" name="Прямоугольник 40">
@@ -8497,119 +8453,26 @@
           <a:chExt cx="0" cy="0"/>
         </a:xfrm>
       </p:grpSpPr>
-      <p:pic>
-        <p:nvPicPr>
-          <p:cNvPr id="3" name="Рисунок 2">
-            <a:extLst>
-              <a:ext uri="{FF2B5EF4-FFF2-40B4-BE49-F238E27FC236}">
-                <a16:creationId xmlns:a16="http://schemas.microsoft.com/office/drawing/2014/main" id="{BACC2FFC-737D-A6E9-27FA-C151288D0580}"/>
-              </a:ext>
-            </a:extLst>
-          </p:cNvPr>
-          <p:cNvPicPr>
-            <a:picLocks noChangeAspect="1"/>
-          </p:cNvPicPr>
-          <p:nvPr/>
-        </p:nvPicPr>
-        <p:blipFill>
-          <a:blip r:embed="rId2"/>
-          <a:stretch>
-            <a:fillRect/>
-          </a:stretch>
-        </p:blipFill>
-        <p:spPr>
-          <a:xfrm>
-            <a:off x="4214550" y="809259"/>
-            <a:ext cx="3762900" cy="5239481"/>
+      <p:sp>
+        <p:nvSpPr>
+          <p:cNvPr id="5" name="Прямоугольник 4">
+            <a:extLst>
+              <a:ext uri="{FF2B5EF4-FFF2-40B4-BE49-F238E27FC236}">
+                <a16:creationId xmlns:a16="http://schemas.microsoft.com/office/drawing/2014/main" id="{D62878FE-A2CB-CB31-CCD2-2E3A35563D49}"/>
+              </a:ext>
+            </a:extLst>
+          </p:cNvPr>
+          <p:cNvSpPr/>
+          <p:nvPr/>
+        </p:nvSpPr>
+        <p:spPr>
+          <a:xfrm>
+            <a:off x="447675" y="457200"/>
+            <a:ext cx="3575790" cy="5943600"/>
           </a:xfrm>
           <a:prstGeom prst="rect">
             <a:avLst/>
           </a:prstGeom>
-        </p:spPr>
-      </p:pic>
-      <p:pic>
-        <p:nvPicPr>
-          <p:cNvPr id="5" name="Рисунок 4">
-            <a:extLst>
-              <a:ext uri="{FF2B5EF4-FFF2-40B4-BE49-F238E27FC236}">
-                <a16:creationId xmlns:a16="http://schemas.microsoft.com/office/drawing/2014/main" id="{561FC242-3EC3-06C0-659C-BCFFD3581007}"/>
-              </a:ext>
-            </a:extLst>
-          </p:cNvPr>
-          <p:cNvPicPr>
-            <a:picLocks noChangeAspect="1"/>
-          </p:cNvPicPr>
-          <p:nvPr/>
-        </p:nvPicPr>
-        <p:blipFill>
-          <a:blip r:embed="rId3"/>
-          <a:stretch>
-            <a:fillRect/>
-          </a:stretch>
-        </p:blipFill>
-        <p:spPr>
-          <a:xfrm>
-            <a:off x="573046" y="809259"/>
-            <a:ext cx="3157582" cy="3369772"/>
-          </a:xfrm>
-          <a:prstGeom prst="rect">
-            <a:avLst/>
-          </a:prstGeom>
-        </p:spPr>
-      </p:pic>
-      <p:pic>
-        <p:nvPicPr>
-          <p:cNvPr id="7" name="Рисунок 6">
-            <a:extLst>
-              <a:ext uri="{FF2B5EF4-FFF2-40B4-BE49-F238E27FC236}">
-                <a16:creationId xmlns:a16="http://schemas.microsoft.com/office/drawing/2014/main" id="{511D7131-D2F4-4672-6345-ADBA953CE407}"/>
-              </a:ext>
-            </a:extLst>
-          </p:cNvPr>
-          <p:cNvPicPr>
-            <a:picLocks noChangeAspect="1"/>
-          </p:cNvPicPr>
-          <p:nvPr/>
-        </p:nvPicPr>
-        <p:blipFill>
-          <a:blip r:embed="rId4"/>
-          <a:stretch>
-            <a:fillRect/>
-          </a:stretch>
-        </p:blipFill>
-        <p:spPr>
-          <a:xfrm>
-            <a:off x="8882211" y="1443534"/>
-            <a:ext cx="1886213" cy="905001"/>
-          </a:xfrm>
-          <a:prstGeom prst="rect">
-            <a:avLst/>
-          </a:prstGeom>
-        </p:spPr>
-      </p:pic>
-      <p:sp>
-        <p:nvSpPr>
-          <p:cNvPr id="8" name="Прямоугольник 7">
-            <a:extLst>
-              <a:ext uri="{FF2B5EF4-FFF2-40B4-BE49-F238E27FC236}">
-                <a16:creationId xmlns:a16="http://schemas.microsoft.com/office/drawing/2014/main" id="{3D90DD1C-073E-6B55-4ADD-363F2C80D2BB}"/>
-              </a:ext>
-            </a:extLst>
-          </p:cNvPr>
-          <p:cNvSpPr/>
-          <p:nvPr/>
-        </p:nvSpPr>
-        <p:spPr>
-          <a:xfrm>
-            <a:off x="8982632" y="3070411"/>
-            <a:ext cx="1685365" cy="717176"/>
-          </a:xfrm>
-          <a:prstGeom prst="rect">
-            <a:avLst/>
-          </a:prstGeom>
-          <a:solidFill>
-            <a:srgbClr val="FFFFFF"/>
-          </a:solidFill>
         </p:spPr>
         <p:style>
           <a:lnRef idx="2">
@@ -8638,10 +8501,10 @@
       </p:sp>
       <p:sp>
         <p:nvSpPr>
-          <p:cNvPr id="9" name="Прямоугольник 8">
-            <a:extLst>
-              <a:ext uri="{FF2B5EF4-FFF2-40B4-BE49-F238E27FC236}">
-                <a16:creationId xmlns:a16="http://schemas.microsoft.com/office/drawing/2014/main" id="{C77D43D4-33D3-B023-2367-A8BA00C4F582}"/>
+          <p:cNvPr id="6" name="Прямоугольник 5">
+            <a:extLst>
+              <a:ext uri="{FF2B5EF4-FFF2-40B4-BE49-F238E27FC236}">
+                <a16:creationId xmlns:a16="http://schemas.microsoft.com/office/drawing/2014/main" id="{0DDF8FCA-6619-693B-E946-7EF75C49F36C}"/>
               </a:ext>
             </a:extLst>
           </p:cNvPr>
@@ -8650,15 +8513,12 @@
         </p:nvSpPr>
         <p:spPr>
           <a:xfrm>
-            <a:off x="8982634" y="3998477"/>
-            <a:ext cx="1685365" cy="717176"/>
+            <a:off x="4308105" y="457200"/>
+            <a:ext cx="3575790" cy="5943600"/>
           </a:xfrm>
           <a:prstGeom prst="rect">
             <a:avLst/>
           </a:prstGeom>
-          <a:solidFill>
-            <a:srgbClr val="F2F2F2"/>
-          </a:solidFill>
         </p:spPr>
         <p:style>
           <a:lnRef idx="2">
@@ -8687,10 +8547,10 @@
       </p:sp>
       <p:sp>
         <p:nvSpPr>
-          <p:cNvPr id="10" name="Прямоугольник 9">
-            <a:extLst>
-              <a:ext uri="{FF2B5EF4-FFF2-40B4-BE49-F238E27FC236}">
-                <a16:creationId xmlns:a16="http://schemas.microsoft.com/office/drawing/2014/main" id="{2097C2BE-9DA3-92E0-D1B3-FD741D722168}"/>
+          <p:cNvPr id="7" name="Прямоугольник 6">
+            <a:extLst>
+              <a:ext uri="{FF2B5EF4-FFF2-40B4-BE49-F238E27FC236}">
+                <a16:creationId xmlns:a16="http://schemas.microsoft.com/office/drawing/2014/main" id="{EDBCCCC7-A26F-3BD1-D80F-0906A061176B}"/>
               </a:ext>
             </a:extLst>
           </p:cNvPr>
@@ -8699,15 +8559,12 @@
         </p:nvSpPr>
         <p:spPr>
           <a:xfrm>
-            <a:off x="8982633" y="4894730"/>
-            <a:ext cx="1685365" cy="717176"/>
+            <a:off x="8168535" y="457200"/>
+            <a:ext cx="3575790" cy="5943600"/>
           </a:xfrm>
           <a:prstGeom prst="rect">
             <a:avLst/>
           </a:prstGeom>
-          <a:solidFill>
-            <a:srgbClr val="E6E6E6"/>
-          </a:solidFill>
         </p:spPr>
         <p:style>
           <a:lnRef idx="2">
@@ -8736,10 +8593,10 @@
       </p:sp>
       <p:sp>
         <p:nvSpPr>
-          <p:cNvPr id="11" name="Прямоугольник 10">
-            <a:extLst>
-              <a:ext uri="{FF2B5EF4-FFF2-40B4-BE49-F238E27FC236}">
-                <a16:creationId xmlns:a16="http://schemas.microsoft.com/office/drawing/2014/main" id="{BC791E74-21B5-17E9-24B4-6CC720F5CF94}"/>
+          <p:cNvPr id="9" name="Прямоугольник 8">
+            <a:extLst>
+              <a:ext uri="{FF2B5EF4-FFF2-40B4-BE49-F238E27FC236}">
+                <a16:creationId xmlns:a16="http://schemas.microsoft.com/office/drawing/2014/main" id="{FC5449D5-485D-45A8-E592-62C290688712}"/>
               </a:ext>
             </a:extLst>
           </p:cNvPr>
@@ -8748,15 +8605,12 @@
         </p:nvSpPr>
         <p:spPr>
           <a:xfrm>
-            <a:off x="8982633" y="5790983"/>
-            <a:ext cx="1685365" cy="717176"/>
+            <a:off x="768720" y="2229346"/>
+            <a:ext cx="2933700" cy="1036738"/>
           </a:xfrm>
           <a:prstGeom prst="rect">
             <a:avLst/>
           </a:prstGeom>
-          <a:solidFill>
-            <a:srgbClr val="D9D9D9"/>
-          </a:solidFill>
         </p:spPr>
         <p:style>
           <a:lnRef idx="2">
@@ -8783,10 +8637,421 @@
           </a:p>
         </p:txBody>
       </p:sp>
+      <p:sp>
+        <p:nvSpPr>
+          <p:cNvPr id="10" name="Прямоугольник 9">
+            <a:extLst>
+              <a:ext uri="{FF2B5EF4-FFF2-40B4-BE49-F238E27FC236}">
+                <a16:creationId xmlns:a16="http://schemas.microsoft.com/office/drawing/2014/main" id="{9BD8C063-A589-CAEC-1DF8-02AD402697DB}"/>
+              </a:ext>
+            </a:extLst>
+          </p:cNvPr>
+          <p:cNvSpPr/>
+          <p:nvPr/>
+        </p:nvSpPr>
+        <p:spPr>
+          <a:xfrm>
+            <a:off x="768720" y="3591916"/>
+            <a:ext cx="2933700" cy="1036738"/>
+          </a:xfrm>
+          <a:prstGeom prst="rect">
+            <a:avLst/>
+          </a:prstGeom>
+        </p:spPr>
+        <p:style>
+          <a:lnRef idx="2">
+            <a:schemeClr val="accent1">
+              <a:shade val="15000"/>
+            </a:schemeClr>
+          </a:lnRef>
+          <a:fillRef idx="1">
+            <a:schemeClr val="accent1"/>
+          </a:fillRef>
+          <a:effectRef idx="0">
+            <a:schemeClr val="accent1"/>
+          </a:effectRef>
+          <a:fontRef idx="minor">
+            <a:schemeClr val="lt1"/>
+          </a:fontRef>
+        </p:style>
+        <p:txBody>
+          <a:bodyPr rtlCol="0" anchor="ctr"/>
+          <a:lstStyle/>
+          <a:p>
+            <a:pPr algn="ctr"/>
+            <a:endParaRPr lang="ru-RU"/>
+          </a:p>
+        </p:txBody>
+      </p:sp>
+      <p:sp>
+        <p:nvSpPr>
+          <p:cNvPr id="11" name="Прямоугольник 10">
+            <a:extLst>
+              <a:ext uri="{FF2B5EF4-FFF2-40B4-BE49-F238E27FC236}">
+                <a16:creationId xmlns:a16="http://schemas.microsoft.com/office/drawing/2014/main" id="{0E97F76F-81A8-C744-2F15-5AE6A4F17618}"/>
+              </a:ext>
+            </a:extLst>
+          </p:cNvPr>
+          <p:cNvSpPr/>
+          <p:nvPr/>
+        </p:nvSpPr>
+        <p:spPr>
+          <a:xfrm>
+            <a:off x="768720" y="4954487"/>
+            <a:ext cx="2933700" cy="1036738"/>
+          </a:xfrm>
+          <a:prstGeom prst="rect">
+            <a:avLst/>
+          </a:prstGeom>
+        </p:spPr>
+        <p:style>
+          <a:lnRef idx="2">
+            <a:schemeClr val="accent1">
+              <a:shade val="15000"/>
+            </a:schemeClr>
+          </a:lnRef>
+          <a:fillRef idx="1">
+            <a:schemeClr val="accent1"/>
+          </a:fillRef>
+          <a:effectRef idx="0">
+            <a:schemeClr val="accent1"/>
+          </a:effectRef>
+          <a:fontRef idx="minor">
+            <a:schemeClr val="lt1"/>
+          </a:fontRef>
+        </p:style>
+        <p:txBody>
+          <a:bodyPr rtlCol="0" anchor="ctr"/>
+          <a:lstStyle/>
+          <a:p>
+            <a:pPr algn="ctr"/>
+            <a:endParaRPr lang="ru-RU"/>
+          </a:p>
+        </p:txBody>
+      </p:sp>
+      <p:sp>
+        <p:nvSpPr>
+          <p:cNvPr id="13" name="Прямоугольник 12">
+            <a:extLst>
+              <a:ext uri="{FF2B5EF4-FFF2-40B4-BE49-F238E27FC236}">
+                <a16:creationId xmlns:a16="http://schemas.microsoft.com/office/drawing/2014/main" id="{7DBEFD9B-6885-3ECE-D94B-68428ECC6193}"/>
+              </a:ext>
+            </a:extLst>
+          </p:cNvPr>
+          <p:cNvSpPr/>
+          <p:nvPr/>
+        </p:nvSpPr>
+        <p:spPr>
+          <a:xfrm>
+            <a:off x="768720" y="866775"/>
+            <a:ext cx="2933700" cy="1036738"/>
+          </a:xfrm>
+          <a:prstGeom prst="rect">
+            <a:avLst/>
+          </a:prstGeom>
+        </p:spPr>
+        <p:style>
+          <a:lnRef idx="2">
+            <a:schemeClr val="accent1">
+              <a:shade val="15000"/>
+            </a:schemeClr>
+          </a:lnRef>
+          <a:fillRef idx="1">
+            <a:schemeClr val="accent1"/>
+          </a:fillRef>
+          <a:effectRef idx="0">
+            <a:schemeClr val="accent1"/>
+          </a:effectRef>
+          <a:fontRef idx="minor">
+            <a:schemeClr val="lt1"/>
+          </a:fontRef>
+        </p:style>
+        <p:txBody>
+          <a:bodyPr rtlCol="0" anchor="ctr"/>
+          <a:lstStyle/>
+          <a:p>
+            <a:pPr algn="ctr"/>
+            <a:r>
+              <a:rPr lang="ru-RU" dirty="0" err="1"/>
+              <a:t>Устр</a:t>
+            </a:r>
+            <a:r>
+              <a:rPr lang="ru-RU" dirty="0"/>
+              <a:t> 1</a:t>
+            </a:r>
+          </a:p>
+        </p:txBody>
+      </p:sp>
+      <p:sp>
+        <p:nvSpPr>
+          <p:cNvPr id="15" name="Прямоугольник 14">
+            <a:extLst>
+              <a:ext uri="{FF2B5EF4-FFF2-40B4-BE49-F238E27FC236}">
+                <a16:creationId xmlns:a16="http://schemas.microsoft.com/office/drawing/2014/main" id="{FBC3D54F-F663-4E38-DD00-EBDED03F0661}"/>
+              </a:ext>
+            </a:extLst>
+          </p:cNvPr>
+          <p:cNvSpPr/>
+          <p:nvPr/>
+        </p:nvSpPr>
+        <p:spPr>
+          <a:xfrm>
+            <a:off x="984435" y="2353693"/>
+            <a:ext cx="1562100" cy="352425"/>
+          </a:xfrm>
+          <a:prstGeom prst="rect">
+            <a:avLst/>
+          </a:prstGeom>
+        </p:spPr>
+        <p:style>
+          <a:lnRef idx="2">
+            <a:schemeClr val="accent1">
+              <a:shade val="15000"/>
+            </a:schemeClr>
+          </a:lnRef>
+          <a:fillRef idx="1">
+            <a:schemeClr val="accent1"/>
+          </a:fillRef>
+          <a:effectRef idx="0">
+            <a:schemeClr val="accent1"/>
+          </a:effectRef>
+          <a:fontRef idx="minor">
+            <a:schemeClr val="lt1"/>
+          </a:fontRef>
+        </p:style>
+        <p:txBody>
+          <a:bodyPr rtlCol="0" anchor="ctr"/>
+          <a:lstStyle/>
+          <a:p>
+            <a:pPr algn="ctr"/>
+            <a:r>
+              <a:rPr lang="ru-RU" dirty="0"/>
+              <a:t>температура</a:t>
+            </a:r>
+          </a:p>
+        </p:txBody>
+      </p:sp>
+      <p:sp>
+        <p:nvSpPr>
+          <p:cNvPr id="16" name="Прямоугольник 15">
+            <a:extLst>
+              <a:ext uri="{FF2B5EF4-FFF2-40B4-BE49-F238E27FC236}">
+                <a16:creationId xmlns:a16="http://schemas.microsoft.com/office/drawing/2014/main" id="{5551D000-71F3-A456-FC24-2D8C25522E45}"/>
+              </a:ext>
+            </a:extLst>
+          </p:cNvPr>
+          <p:cNvSpPr/>
+          <p:nvPr/>
+        </p:nvSpPr>
+        <p:spPr>
+          <a:xfrm>
+            <a:off x="984435" y="2767783"/>
+            <a:ext cx="1006290" cy="352425"/>
+          </a:xfrm>
+          <a:prstGeom prst="rect">
+            <a:avLst/>
+          </a:prstGeom>
+          <a:solidFill>
+            <a:schemeClr val="bg2">
+              <a:lumMod val="90000"/>
+            </a:schemeClr>
+          </a:solidFill>
+        </p:spPr>
+        <p:style>
+          <a:lnRef idx="2">
+            <a:schemeClr val="accent1">
+              <a:shade val="15000"/>
+            </a:schemeClr>
+          </a:lnRef>
+          <a:fillRef idx="1">
+            <a:schemeClr val="accent1"/>
+          </a:fillRef>
+          <a:effectRef idx="0">
+            <a:schemeClr val="accent1"/>
+          </a:effectRef>
+          <a:fontRef idx="minor">
+            <a:schemeClr val="lt1"/>
+          </a:fontRef>
+        </p:style>
+        <p:txBody>
+          <a:bodyPr rtlCol="0" anchor="ctr"/>
+          <a:lstStyle/>
+          <a:p>
+            <a:pPr algn="ctr"/>
+            <a:r>
+              <a:rPr lang="ru-RU" dirty="0"/>
+              <a:t>144</a:t>
+            </a:r>
+          </a:p>
+        </p:txBody>
+      </p:sp>
+      <p:sp>
+        <p:nvSpPr>
+          <p:cNvPr id="17" name="Прямоугольник 16">
+            <a:extLst>
+              <a:ext uri="{FF2B5EF4-FFF2-40B4-BE49-F238E27FC236}">
+                <a16:creationId xmlns:a16="http://schemas.microsoft.com/office/drawing/2014/main" id="{1B6C785C-9592-185B-2723-49ABF553BDF6}"/>
+              </a:ext>
+            </a:extLst>
+          </p:cNvPr>
+          <p:cNvSpPr/>
+          <p:nvPr/>
+        </p:nvSpPr>
+        <p:spPr>
+          <a:xfrm>
+            <a:off x="2762250" y="2353693"/>
+            <a:ext cx="673470" cy="352425"/>
+          </a:xfrm>
+          <a:prstGeom prst="rect">
+            <a:avLst/>
+          </a:prstGeom>
+          <a:solidFill>
+            <a:schemeClr val="bg2">
+              <a:lumMod val="90000"/>
+            </a:schemeClr>
+          </a:solidFill>
+        </p:spPr>
+        <p:style>
+          <a:lnRef idx="2">
+            <a:schemeClr val="accent1">
+              <a:shade val="15000"/>
+            </a:schemeClr>
+          </a:lnRef>
+          <a:fillRef idx="1">
+            <a:schemeClr val="accent1"/>
+          </a:fillRef>
+          <a:effectRef idx="0">
+            <a:schemeClr val="accent1"/>
+          </a:effectRef>
+          <a:fontRef idx="minor">
+            <a:schemeClr val="lt1"/>
+          </a:fontRef>
+        </p:style>
+        <p:txBody>
+          <a:bodyPr rtlCol="0" anchor="ctr"/>
+          <a:lstStyle/>
+          <a:p>
+            <a:pPr algn="ctr"/>
+            <a:r>
+              <a:rPr lang="en-US" dirty="0"/>
+              <a:t>set</a:t>
+            </a:r>
+            <a:endParaRPr lang="ru-RU" dirty="0"/>
+          </a:p>
+        </p:txBody>
+      </p:sp>
+      <p:sp>
+        <p:nvSpPr>
+          <p:cNvPr id="18" name="Прямоугольник 17">
+            <a:extLst>
+              <a:ext uri="{FF2B5EF4-FFF2-40B4-BE49-F238E27FC236}">
+                <a16:creationId xmlns:a16="http://schemas.microsoft.com/office/drawing/2014/main" id="{B7D8C0B0-23A1-8032-14E4-4E7412D9EE62}"/>
+              </a:ext>
+            </a:extLst>
+          </p:cNvPr>
+          <p:cNvSpPr/>
+          <p:nvPr/>
+        </p:nvSpPr>
+        <p:spPr>
+          <a:xfrm>
+            <a:off x="2762250" y="2767783"/>
+            <a:ext cx="673470" cy="352425"/>
+          </a:xfrm>
+          <a:prstGeom prst="rect">
+            <a:avLst/>
+          </a:prstGeom>
+          <a:solidFill>
+            <a:schemeClr val="bg2">
+              <a:lumMod val="90000"/>
+            </a:schemeClr>
+          </a:solidFill>
+        </p:spPr>
+        <p:style>
+          <a:lnRef idx="2">
+            <a:schemeClr val="accent1">
+              <a:shade val="15000"/>
+            </a:schemeClr>
+          </a:lnRef>
+          <a:fillRef idx="1">
+            <a:schemeClr val="accent1"/>
+          </a:fillRef>
+          <a:effectRef idx="0">
+            <a:schemeClr val="accent1"/>
+          </a:effectRef>
+          <a:fontRef idx="minor">
+            <a:schemeClr val="lt1"/>
+          </a:fontRef>
+        </p:style>
+        <p:txBody>
+          <a:bodyPr rtlCol="0" anchor="ctr"/>
+          <a:lstStyle/>
+          <a:p>
+            <a:pPr algn="ctr"/>
+            <a:r>
+              <a:rPr lang="en-US" dirty="0"/>
+              <a:t>get</a:t>
+            </a:r>
+            <a:endParaRPr lang="ru-RU" dirty="0"/>
+          </a:p>
+        </p:txBody>
+      </p:sp>
+      <p:sp>
+        <p:nvSpPr>
+          <p:cNvPr id="19" name="Прямоугольник 18">
+            <a:extLst>
+              <a:ext uri="{FF2B5EF4-FFF2-40B4-BE49-F238E27FC236}">
+                <a16:creationId xmlns:a16="http://schemas.microsoft.com/office/drawing/2014/main" id="{65C737A0-06E9-B34B-3E72-73B6980EE163}"/>
+              </a:ext>
+            </a:extLst>
+          </p:cNvPr>
+          <p:cNvSpPr/>
+          <p:nvPr/>
+        </p:nvSpPr>
+        <p:spPr>
+          <a:xfrm>
+            <a:off x="2066925" y="2767783"/>
+            <a:ext cx="479610" cy="352425"/>
+          </a:xfrm>
+          <a:prstGeom prst="rect">
+            <a:avLst/>
+          </a:prstGeom>
+        </p:spPr>
+        <p:style>
+          <a:lnRef idx="2">
+            <a:schemeClr val="accent1">
+              <a:shade val="15000"/>
+            </a:schemeClr>
+          </a:lnRef>
+          <a:fillRef idx="1">
+            <a:schemeClr val="accent1"/>
+          </a:fillRef>
+          <a:effectRef idx="0">
+            <a:schemeClr val="accent1"/>
+          </a:effectRef>
+          <a:fontRef idx="minor">
+            <a:schemeClr val="lt1"/>
+          </a:fontRef>
+        </p:style>
+        <p:txBody>
+          <a:bodyPr rtlCol="0" anchor="ctr"/>
+          <a:lstStyle/>
+          <a:p>
+            <a:pPr algn="ctr"/>
+            <a:r>
+              <a:rPr lang="en-US" dirty="0"/>
+              <a:t>^</a:t>
+            </a:r>
+            <a:r>
+              <a:rPr lang="ru-RU" dirty="0"/>
+              <a:t>С</a:t>
+            </a:r>
+          </a:p>
+        </p:txBody>
+      </p:sp>
     </p:spTree>
     <p:extLst>
       <p:ext uri="{BB962C8B-B14F-4D97-AF65-F5344CB8AC3E}">
-        <p14:creationId xmlns:p14="http://schemas.microsoft.com/office/powerpoint/2010/main" val="640714829"/>
+        <p14:creationId xmlns:p14="http://schemas.microsoft.com/office/powerpoint/2010/main" val="1790313041"/>
       </p:ext>
     </p:extLst>
   </p:cSld>
@@ -8815,603 +9080,148 @@
       </p:grpSpPr>
       <p:sp>
         <p:nvSpPr>
-          <p:cNvPr id="5" name="Прямоугольник 4">
-            <a:extLst>
-              <a:ext uri="{FF2B5EF4-FFF2-40B4-BE49-F238E27FC236}">
-                <a16:creationId xmlns:a16="http://schemas.microsoft.com/office/drawing/2014/main" id="{D62878FE-A2CB-CB31-CCD2-2E3A35563D49}"/>
-              </a:ext>
-            </a:extLst>
-          </p:cNvPr>
-          <p:cNvSpPr/>
-          <p:nvPr/>
-        </p:nvSpPr>
-        <p:spPr>
-          <a:xfrm>
-            <a:off x="447675" y="457200"/>
-            <a:ext cx="3575790" cy="5943600"/>
+          <p:cNvPr id="6" name="TextBox 5">
+            <a:extLst>
+              <a:ext uri="{FF2B5EF4-FFF2-40B4-BE49-F238E27FC236}">
+                <a16:creationId xmlns:a16="http://schemas.microsoft.com/office/drawing/2014/main" id="{7B40A58C-6663-2C33-DACF-9F18CCC817CB}"/>
+              </a:ext>
+            </a:extLst>
+          </p:cNvPr>
+          <p:cNvSpPr txBox="1"/>
+          <p:nvPr/>
+        </p:nvSpPr>
+        <p:spPr>
+          <a:xfrm>
+            <a:off x="352425" y="390674"/>
+            <a:ext cx="10715625" cy="2862322"/>
           </a:xfrm>
           <a:prstGeom prst="rect">
             <a:avLst/>
           </a:prstGeom>
-        </p:spPr>
-        <p:style>
-          <a:lnRef idx="2">
-            <a:schemeClr val="accent1">
-              <a:shade val="15000"/>
-            </a:schemeClr>
-          </a:lnRef>
-          <a:fillRef idx="1">
-            <a:schemeClr val="accent1"/>
-          </a:fillRef>
-          <a:effectRef idx="0">
-            <a:schemeClr val="accent1"/>
-          </a:effectRef>
-          <a:fontRef idx="minor">
-            <a:schemeClr val="lt1"/>
-          </a:fontRef>
-        </p:style>
-        <p:txBody>
-          <a:bodyPr rtlCol="0" anchor="ctr"/>
-          <a:lstStyle/>
-          <a:p>
-            <a:pPr algn="ctr"/>
-            <a:endParaRPr lang="ru-RU"/>
-          </a:p>
-        </p:txBody>
-      </p:sp>
-      <p:sp>
-        <p:nvSpPr>
-          <p:cNvPr id="6" name="Прямоугольник 5">
-            <a:extLst>
-              <a:ext uri="{FF2B5EF4-FFF2-40B4-BE49-F238E27FC236}">
-                <a16:creationId xmlns:a16="http://schemas.microsoft.com/office/drawing/2014/main" id="{0DDF8FCA-6619-693B-E946-7EF75C49F36C}"/>
-              </a:ext>
-            </a:extLst>
-          </p:cNvPr>
-          <p:cNvSpPr/>
-          <p:nvPr/>
-        </p:nvSpPr>
-        <p:spPr>
-          <a:xfrm>
-            <a:off x="4308105" y="457200"/>
-            <a:ext cx="3575790" cy="5943600"/>
-          </a:xfrm>
-          <a:prstGeom prst="rect">
-            <a:avLst/>
-          </a:prstGeom>
-        </p:spPr>
-        <p:style>
-          <a:lnRef idx="2">
-            <a:schemeClr val="accent1">
-              <a:shade val="15000"/>
-            </a:schemeClr>
-          </a:lnRef>
-          <a:fillRef idx="1">
-            <a:schemeClr val="accent1"/>
-          </a:fillRef>
-          <a:effectRef idx="0">
-            <a:schemeClr val="accent1"/>
-          </a:effectRef>
-          <a:fontRef idx="minor">
-            <a:schemeClr val="lt1"/>
-          </a:fontRef>
-        </p:style>
-        <p:txBody>
-          <a:bodyPr rtlCol="0" anchor="ctr"/>
-          <a:lstStyle/>
-          <a:p>
-            <a:pPr algn="ctr"/>
-            <a:endParaRPr lang="ru-RU"/>
-          </a:p>
-        </p:txBody>
-      </p:sp>
-      <p:sp>
-        <p:nvSpPr>
-          <p:cNvPr id="7" name="Прямоугольник 6">
-            <a:extLst>
-              <a:ext uri="{FF2B5EF4-FFF2-40B4-BE49-F238E27FC236}">
-                <a16:creationId xmlns:a16="http://schemas.microsoft.com/office/drawing/2014/main" id="{EDBCCCC7-A26F-3BD1-D80F-0906A061176B}"/>
-              </a:ext>
-            </a:extLst>
-          </p:cNvPr>
-          <p:cNvSpPr/>
-          <p:nvPr/>
-        </p:nvSpPr>
-        <p:spPr>
-          <a:xfrm>
-            <a:off x="8168535" y="457200"/>
-            <a:ext cx="3575790" cy="5943600"/>
-          </a:xfrm>
-          <a:prstGeom prst="rect">
-            <a:avLst/>
-          </a:prstGeom>
-        </p:spPr>
-        <p:style>
-          <a:lnRef idx="2">
-            <a:schemeClr val="accent1">
-              <a:shade val="15000"/>
-            </a:schemeClr>
-          </a:lnRef>
-          <a:fillRef idx="1">
-            <a:schemeClr val="accent1"/>
-          </a:fillRef>
-          <a:effectRef idx="0">
-            <a:schemeClr val="accent1"/>
-          </a:effectRef>
-          <a:fontRef idx="minor">
-            <a:schemeClr val="lt1"/>
-          </a:fontRef>
-        </p:style>
-        <p:txBody>
-          <a:bodyPr rtlCol="0" anchor="ctr"/>
-          <a:lstStyle/>
-          <a:p>
-            <a:pPr algn="ctr"/>
-            <a:endParaRPr lang="ru-RU"/>
-          </a:p>
-        </p:txBody>
-      </p:sp>
-      <p:sp>
-        <p:nvSpPr>
-          <p:cNvPr id="9" name="Прямоугольник 8">
-            <a:extLst>
-              <a:ext uri="{FF2B5EF4-FFF2-40B4-BE49-F238E27FC236}">
-                <a16:creationId xmlns:a16="http://schemas.microsoft.com/office/drawing/2014/main" id="{FC5449D5-485D-45A8-E592-62C290688712}"/>
-              </a:ext>
-            </a:extLst>
-          </p:cNvPr>
-          <p:cNvSpPr/>
-          <p:nvPr/>
-        </p:nvSpPr>
-        <p:spPr>
-          <a:xfrm>
-            <a:off x="768720" y="2229346"/>
-            <a:ext cx="2933700" cy="1036738"/>
-          </a:xfrm>
-          <a:prstGeom prst="rect">
-            <a:avLst/>
-          </a:prstGeom>
-        </p:spPr>
-        <p:style>
-          <a:lnRef idx="2">
-            <a:schemeClr val="accent1">
-              <a:shade val="15000"/>
-            </a:schemeClr>
-          </a:lnRef>
-          <a:fillRef idx="1">
-            <a:schemeClr val="accent1"/>
-          </a:fillRef>
-          <a:effectRef idx="0">
-            <a:schemeClr val="accent1"/>
-          </a:effectRef>
-          <a:fontRef idx="minor">
-            <a:schemeClr val="lt1"/>
-          </a:fontRef>
-        </p:style>
-        <p:txBody>
-          <a:bodyPr rtlCol="0" anchor="ctr"/>
-          <a:lstStyle/>
-          <a:p>
-            <a:pPr algn="ctr"/>
-            <a:endParaRPr lang="ru-RU"/>
-          </a:p>
-        </p:txBody>
-      </p:sp>
-      <p:sp>
-        <p:nvSpPr>
-          <p:cNvPr id="10" name="Прямоугольник 9">
-            <a:extLst>
-              <a:ext uri="{FF2B5EF4-FFF2-40B4-BE49-F238E27FC236}">
-                <a16:creationId xmlns:a16="http://schemas.microsoft.com/office/drawing/2014/main" id="{9BD8C063-A589-CAEC-1DF8-02AD402697DB}"/>
-              </a:ext>
-            </a:extLst>
-          </p:cNvPr>
-          <p:cNvSpPr/>
-          <p:nvPr/>
-        </p:nvSpPr>
-        <p:spPr>
-          <a:xfrm>
-            <a:off x="768720" y="3591916"/>
-            <a:ext cx="2933700" cy="1036738"/>
-          </a:xfrm>
-          <a:prstGeom prst="rect">
-            <a:avLst/>
-          </a:prstGeom>
-        </p:spPr>
-        <p:style>
-          <a:lnRef idx="2">
-            <a:schemeClr val="accent1">
-              <a:shade val="15000"/>
-            </a:schemeClr>
-          </a:lnRef>
-          <a:fillRef idx="1">
-            <a:schemeClr val="accent1"/>
-          </a:fillRef>
-          <a:effectRef idx="0">
-            <a:schemeClr val="accent1"/>
-          </a:effectRef>
-          <a:fontRef idx="minor">
-            <a:schemeClr val="lt1"/>
-          </a:fontRef>
-        </p:style>
-        <p:txBody>
-          <a:bodyPr rtlCol="0" anchor="ctr"/>
-          <a:lstStyle/>
-          <a:p>
-            <a:pPr algn="ctr"/>
-            <a:endParaRPr lang="ru-RU"/>
-          </a:p>
-        </p:txBody>
-      </p:sp>
-      <p:sp>
-        <p:nvSpPr>
-          <p:cNvPr id="11" name="Прямоугольник 10">
-            <a:extLst>
-              <a:ext uri="{FF2B5EF4-FFF2-40B4-BE49-F238E27FC236}">
-                <a16:creationId xmlns:a16="http://schemas.microsoft.com/office/drawing/2014/main" id="{0E97F76F-81A8-C744-2F15-5AE6A4F17618}"/>
-              </a:ext>
-            </a:extLst>
-          </p:cNvPr>
-          <p:cNvSpPr/>
-          <p:nvPr/>
-        </p:nvSpPr>
-        <p:spPr>
-          <a:xfrm>
-            <a:off x="768720" y="4954487"/>
-            <a:ext cx="2933700" cy="1036738"/>
-          </a:xfrm>
-          <a:prstGeom prst="rect">
-            <a:avLst/>
-          </a:prstGeom>
-        </p:spPr>
-        <p:style>
-          <a:lnRef idx="2">
-            <a:schemeClr val="accent1">
-              <a:shade val="15000"/>
-            </a:schemeClr>
-          </a:lnRef>
-          <a:fillRef idx="1">
-            <a:schemeClr val="accent1"/>
-          </a:fillRef>
-          <a:effectRef idx="0">
-            <a:schemeClr val="accent1"/>
-          </a:effectRef>
-          <a:fontRef idx="minor">
-            <a:schemeClr val="lt1"/>
-          </a:fontRef>
-        </p:style>
-        <p:txBody>
-          <a:bodyPr rtlCol="0" anchor="ctr"/>
-          <a:lstStyle/>
-          <a:p>
-            <a:pPr algn="ctr"/>
-            <a:endParaRPr lang="ru-RU"/>
-          </a:p>
-        </p:txBody>
-      </p:sp>
-      <p:sp>
-        <p:nvSpPr>
-          <p:cNvPr id="13" name="Прямоугольник 12">
-            <a:extLst>
-              <a:ext uri="{FF2B5EF4-FFF2-40B4-BE49-F238E27FC236}">
-                <a16:creationId xmlns:a16="http://schemas.microsoft.com/office/drawing/2014/main" id="{7DBEFD9B-6885-3ECE-D94B-68428ECC6193}"/>
-              </a:ext>
-            </a:extLst>
-          </p:cNvPr>
-          <p:cNvSpPr/>
-          <p:nvPr/>
-        </p:nvSpPr>
-        <p:spPr>
-          <a:xfrm>
-            <a:off x="768720" y="866775"/>
-            <a:ext cx="2933700" cy="1036738"/>
-          </a:xfrm>
-          <a:prstGeom prst="rect">
-            <a:avLst/>
-          </a:prstGeom>
-        </p:spPr>
-        <p:style>
-          <a:lnRef idx="2">
-            <a:schemeClr val="accent1">
-              <a:shade val="15000"/>
-            </a:schemeClr>
-          </a:lnRef>
-          <a:fillRef idx="1">
-            <a:schemeClr val="accent1"/>
-          </a:fillRef>
-          <a:effectRef idx="0">
-            <a:schemeClr val="accent1"/>
-          </a:effectRef>
-          <a:fontRef idx="minor">
-            <a:schemeClr val="lt1"/>
-          </a:fontRef>
-        </p:style>
-        <p:txBody>
-          <a:bodyPr rtlCol="0" anchor="ctr"/>
-          <a:lstStyle/>
-          <a:p>
-            <a:pPr algn="ctr"/>
-            <a:r>
-              <a:rPr lang="ru-RU" dirty="0" err="1"/>
-              <a:t>Устр</a:t>
-            </a:r>
+          <a:noFill/>
+        </p:spPr>
+        <p:txBody>
+          <a:bodyPr wrap="square">
+            <a:spAutoFit/>
+          </a:bodyPr>
+          <a:lstStyle/>
+          <a:p>
             <a:r>
               <a:rPr lang="ru-RU" dirty="0"/>
-              <a:t> 1</a:t>
-            </a:r>
-          </a:p>
-        </p:txBody>
-      </p:sp>
-      <p:sp>
-        <p:nvSpPr>
-          <p:cNvPr id="15" name="Прямоугольник 14">
-            <a:extLst>
-              <a:ext uri="{FF2B5EF4-FFF2-40B4-BE49-F238E27FC236}">
-                <a16:creationId xmlns:a16="http://schemas.microsoft.com/office/drawing/2014/main" id="{FBC3D54F-F663-4E38-DD00-EBDED03F0661}"/>
-              </a:ext>
-            </a:extLst>
-          </p:cNvPr>
-          <p:cNvSpPr/>
-          <p:nvPr/>
-        </p:nvSpPr>
-        <p:spPr>
-          <a:xfrm>
-            <a:off x="984435" y="2353693"/>
-            <a:ext cx="1562100" cy="352425"/>
-          </a:xfrm>
-          <a:prstGeom prst="rect">
-            <a:avLst/>
-          </a:prstGeom>
-        </p:spPr>
-        <p:style>
-          <a:lnRef idx="2">
-            <a:schemeClr val="accent1">
-              <a:shade val="15000"/>
-            </a:schemeClr>
-          </a:lnRef>
-          <a:fillRef idx="1">
-            <a:schemeClr val="accent1"/>
-          </a:fillRef>
-          <a:effectRef idx="0">
-            <a:schemeClr val="accent1"/>
-          </a:effectRef>
-          <a:fontRef idx="minor">
-            <a:schemeClr val="lt1"/>
-          </a:fontRef>
-        </p:style>
-        <p:txBody>
-          <a:bodyPr rtlCol="0" anchor="ctr"/>
-          <a:lstStyle/>
-          <a:p>
-            <a:pPr algn="ctr"/>
+              <a:t>комплексный признак работы и отображение </a:t>
+            </a:r>
+          </a:p>
+          <a:p>
             <a:r>
               <a:rPr lang="ru-RU" dirty="0"/>
-              <a:t>температура</a:t>
-            </a:r>
-          </a:p>
-        </p:txBody>
-      </p:sp>
-      <p:sp>
-        <p:nvSpPr>
-          <p:cNvPr id="16" name="Прямоугольник 15">
-            <a:extLst>
-              <a:ext uri="{FF2B5EF4-FFF2-40B4-BE49-F238E27FC236}">
-                <a16:creationId xmlns:a16="http://schemas.microsoft.com/office/drawing/2014/main" id="{5551D000-71F3-A456-FC24-2D8C25522E45}"/>
-              </a:ext>
-            </a:extLst>
-          </p:cNvPr>
-          <p:cNvSpPr/>
-          <p:nvPr/>
-        </p:nvSpPr>
-        <p:spPr>
-          <a:xfrm>
-            <a:off x="984435" y="2767783"/>
-            <a:ext cx="1006290" cy="352425"/>
-          </a:xfrm>
-          <a:prstGeom prst="rect">
-            <a:avLst/>
-          </a:prstGeom>
-          <a:solidFill>
-            <a:schemeClr val="bg2">
-              <a:lumMod val="90000"/>
-            </a:schemeClr>
-          </a:solidFill>
-        </p:spPr>
-        <p:style>
-          <a:lnRef idx="2">
-            <a:schemeClr val="accent1">
-              <a:shade val="15000"/>
-            </a:schemeClr>
-          </a:lnRef>
-          <a:fillRef idx="1">
-            <a:schemeClr val="accent1"/>
-          </a:fillRef>
-          <a:effectRef idx="0">
-            <a:schemeClr val="accent1"/>
-          </a:effectRef>
-          <a:fontRef idx="minor">
-            <a:schemeClr val="lt1"/>
-          </a:fontRef>
-        </p:style>
-        <p:txBody>
-          <a:bodyPr rtlCol="0" anchor="ctr"/>
-          <a:lstStyle/>
-          <a:p>
-            <a:pPr algn="ctr"/>
+              <a:t>Состояния:</a:t>
+            </a:r>
+          </a:p>
+          <a:p>
+            <a:endParaRPr lang="ru-RU" dirty="0"/>
+          </a:p>
+          <a:p>
             <a:r>
               <a:rPr lang="ru-RU" dirty="0"/>
-              <a:t>144</a:t>
-            </a:r>
-          </a:p>
-        </p:txBody>
-      </p:sp>
-      <p:sp>
-        <p:nvSpPr>
-          <p:cNvPr id="17" name="Прямоугольник 16">
-            <a:extLst>
-              <a:ext uri="{FF2B5EF4-FFF2-40B4-BE49-F238E27FC236}">
-                <a16:creationId xmlns:a16="http://schemas.microsoft.com/office/drawing/2014/main" id="{1B6C785C-9592-185B-2723-49ABF553BDF6}"/>
-              </a:ext>
-            </a:extLst>
-          </p:cNvPr>
-          <p:cNvSpPr/>
-          <p:nvPr/>
-        </p:nvSpPr>
-        <p:spPr>
-          <a:xfrm>
-            <a:off x="2762250" y="2353693"/>
-            <a:ext cx="673470" cy="352425"/>
-          </a:xfrm>
-          <a:prstGeom prst="rect">
-            <a:avLst/>
-          </a:prstGeom>
-          <a:solidFill>
-            <a:schemeClr val="bg2">
-              <a:lumMod val="90000"/>
-            </a:schemeClr>
-          </a:solidFill>
-        </p:spPr>
-        <p:style>
-          <a:lnRef idx="2">
-            <a:schemeClr val="accent1">
-              <a:shade val="15000"/>
-            </a:schemeClr>
-          </a:lnRef>
-          <a:fillRef idx="1">
-            <a:schemeClr val="accent1"/>
-          </a:fillRef>
-          <a:effectRef idx="0">
-            <a:schemeClr val="accent1"/>
-          </a:effectRef>
-          <a:fontRef idx="minor">
-            <a:schemeClr val="lt1"/>
-          </a:fontRef>
-        </p:style>
-        <p:txBody>
-          <a:bodyPr rtlCol="0" anchor="ctr"/>
-          <a:lstStyle/>
-          <a:p>
-            <a:pPr algn="ctr"/>
-            <a:r>
-              <a:rPr lang="en-US" dirty="0"/>
-              <a:t>set</a:t>
-            </a:r>
+              <a:t>**</a:t>
+            </a:r>
+            <a:r>
+              <a:rPr lang="ru-RU" dirty="0">
+                <a:solidFill>
+                  <a:schemeClr val="accent5"/>
+                </a:solidFill>
+              </a:rPr>
+              <a:t>Выключена</a:t>
+            </a:r>
+            <a:r>
+              <a:rPr lang="ru-RU" dirty="0"/>
+              <a:t>**: Система не работает и не обеспечивает воздухообмен.</a:t>
+            </a:r>
+          </a:p>
+          <a:p>
+            <a:r>
+              <a:rPr lang="ru-RU" dirty="0"/>
+              <a:t>**</a:t>
+            </a:r>
+            <a:r>
+              <a:rPr lang="ru-RU" dirty="0">
+                <a:solidFill>
+                  <a:schemeClr val="accent6"/>
+                </a:solidFill>
+              </a:rPr>
+              <a:t>Включена</a:t>
+            </a:r>
+            <a:r>
+              <a:rPr lang="ru-RU" dirty="0"/>
+              <a:t>**: Система активна и функционирует.</a:t>
+            </a:r>
+          </a:p>
+          <a:p>
+            <a:r>
+              <a:rPr lang="ru-RU" dirty="0"/>
+              <a:t>**</a:t>
+            </a:r>
+            <a:r>
+              <a:rPr lang="ru-RU" dirty="0">
+                <a:solidFill>
+                  <a:schemeClr val="accent6"/>
+                </a:solidFill>
+              </a:rPr>
+              <a:t>Режим ожидания</a:t>
+            </a:r>
+            <a:r>
+              <a:rPr lang="ru-RU" dirty="0"/>
+              <a:t>**: Система находится в спящем режиме, готова к включению по необходимости.</a:t>
+            </a:r>
+          </a:p>
+          <a:p>
             <a:endParaRPr lang="ru-RU" dirty="0"/>
           </a:p>
-        </p:txBody>
-      </p:sp>
-      <p:sp>
-        <p:nvSpPr>
-          <p:cNvPr id="18" name="Прямоугольник 17">
-            <a:extLst>
-              <a:ext uri="{FF2B5EF4-FFF2-40B4-BE49-F238E27FC236}">
-                <a16:creationId xmlns:a16="http://schemas.microsoft.com/office/drawing/2014/main" id="{B7D8C0B0-23A1-8032-14E4-4E7412D9EE62}"/>
-              </a:ext>
-            </a:extLst>
-          </p:cNvPr>
-          <p:cNvSpPr/>
-          <p:nvPr/>
-        </p:nvSpPr>
-        <p:spPr>
-          <a:xfrm>
-            <a:off x="2762250" y="2767783"/>
-            <a:ext cx="673470" cy="352425"/>
-          </a:xfrm>
-          <a:prstGeom prst="rect">
-            <a:avLst/>
-          </a:prstGeom>
-          <a:solidFill>
-            <a:schemeClr val="bg2">
-              <a:lumMod val="90000"/>
-            </a:schemeClr>
-          </a:solidFill>
-        </p:spPr>
-        <p:style>
-          <a:lnRef idx="2">
-            <a:schemeClr val="accent1">
-              <a:shade val="15000"/>
-            </a:schemeClr>
-          </a:lnRef>
-          <a:fillRef idx="1">
-            <a:schemeClr val="accent1"/>
-          </a:fillRef>
-          <a:effectRef idx="0">
-            <a:schemeClr val="accent1"/>
-          </a:effectRef>
-          <a:fontRef idx="minor">
-            <a:schemeClr val="lt1"/>
-          </a:fontRef>
-        </p:style>
-        <p:txBody>
-          <a:bodyPr rtlCol="0" anchor="ctr"/>
-          <a:lstStyle/>
-          <a:p>
-            <a:pPr algn="ctr"/>
-            <a:r>
-              <a:rPr lang="en-US" dirty="0"/>
-              <a:t>get</a:t>
-            </a:r>
+          <a:p>
+            <a:r>
+              <a:rPr lang="ru-RU" dirty="0"/>
+              <a:t>**</a:t>
+            </a:r>
+            <a:r>
+              <a:rPr lang="ru-RU" dirty="0">
+                <a:solidFill>
+                  <a:schemeClr val="accent2"/>
+                </a:solidFill>
+              </a:rPr>
+              <a:t>Тех. обслуживание</a:t>
+            </a:r>
+            <a:r>
+              <a:rPr lang="ru-RU" dirty="0"/>
+              <a:t>**: Система временно отключена для проведения профилактических работ.</a:t>
+            </a:r>
+          </a:p>
+          <a:p>
+            <a:r>
+              <a:rPr lang="ru-RU" dirty="0"/>
+              <a:t>**</a:t>
+            </a:r>
+            <a:r>
+              <a:rPr lang="ru-RU" dirty="0">
+                <a:solidFill>
+                  <a:srgbClr val="FF0000"/>
+                </a:solidFill>
+              </a:rPr>
+              <a:t>Ошибка системы</a:t>
+            </a:r>
+            <a:r>
+              <a:rPr lang="ru-RU" dirty="0"/>
+              <a:t>**: Обнаружена неисправность, система не функционирует должным образом.</a:t>
+            </a:r>
+          </a:p>
+          <a:p>
             <a:endParaRPr lang="ru-RU" dirty="0"/>
-          </a:p>
-        </p:txBody>
-      </p:sp>
-      <p:sp>
-        <p:nvSpPr>
-          <p:cNvPr id="19" name="Прямоугольник 18">
-            <a:extLst>
-              <a:ext uri="{FF2B5EF4-FFF2-40B4-BE49-F238E27FC236}">
-                <a16:creationId xmlns:a16="http://schemas.microsoft.com/office/drawing/2014/main" id="{65C737A0-06E9-B34B-3E72-73B6980EE163}"/>
-              </a:ext>
-            </a:extLst>
-          </p:cNvPr>
-          <p:cNvSpPr/>
-          <p:nvPr/>
-        </p:nvSpPr>
-        <p:spPr>
-          <a:xfrm>
-            <a:off x="2066925" y="2767783"/>
-            <a:ext cx="479610" cy="352425"/>
-          </a:xfrm>
-          <a:prstGeom prst="rect">
-            <a:avLst/>
-          </a:prstGeom>
-        </p:spPr>
-        <p:style>
-          <a:lnRef idx="2">
-            <a:schemeClr val="accent1">
-              <a:shade val="15000"/>
-            </a:schemeClr>
-          </a:lnRef>
-          <a:fillRef idx="1">
-            <a:schemeClr val="accent1"/>
-          </a:fillRef>
-          <a:effectRef idx="0">
-            <a:schemeClr val="accent1"/>
-          </a:effectRef>
-          <a:fontRef idx="minor">
-            <a:schemeClr val="lt1"/>
-          </a:fontRef>
-        </p:style>
-        <p:txBody>
-          <a:bodyPr rtlCol="0" anchor="ctr"/>
-          <a:lstStyle/>
-          <a:p>
-            <a:pPr algn="ctr"/>
-            <a:r>
-              <a:rPr lang="en-US" dirty="0"/>
-              <a:t>^</a:t>
-            </a:r>
-            <a:r>
-              <a:rPr lang="ru-RU" dirty="0"/>
-              <a:t>С</a:t>
-            </a:r>
           </a:p>
         </p:txBody>
       </p:sp>
     </p:spTree>
     <p:extLst>
       <p:ext uri="{BB962C8B-B14F-4D97-AF65-F5344CB8AC3E}">
-        <p14:creationId xmlns:p14="http://schemas.microsoft.com/office/powerpoint/2010/main" val="1790313041"/>
+        <p14:creationId xmlns:p14="http://schemas.microsoft.com/office/powerpoint/2010/main" val="855884454"/>
       </p:ext>
     </p:extLst>
   </p:cSld>
@@ -9438,150 +9248,1870 @@
           <a:chExt cx="0" cy="0"/>
         </a:xfrm>
       </p:grpSpPr>
-      <p:sp>
-        <p:nvSpPr>
-          <p:cNvPr id="6" name="TextBox 5">
-            <a:extLst>
-              <a:ext uri="{FF2B5EF4-FFF2-40B4-BE49-F238E27FC236}">
-                <a16:creationId xmlns:a16="http://schemas.microsoft.com/office/drawing/2014/main" id="{7B40A58C-6663-2C33-DACF-9F18CCC817CB}"/>
-              </a:ext>
-            </a:extLst>
-          </p:cNvPr>
-          <p:cNvSpPr txBox="1"/>
-          <p:nvPr/>
-        </p:nvSpPr>
-        <p:spPr>
-          <a:xfrm>
-            <a:off x="352425" y="390674"/>
-            <a:ext cx="10715625" cy="2862322"/>
+      <p:grpSp>
+        <p:nvGrpSpPr>
+          <p:cNvPr id="15" name="Группа 14">
+            <a:extLst>
+              <a:ext uri="{FF2B5EF4-FFF2-40B4-BE49-F238E27FC236}">
+                <a16:creationId xmlns:a16="http://schemas.microsoft.com/office/drawing/2014/main" id="{67A53191-7CC6-A2BA-1BF8-DE8FE1543A1C}"/>
+              </a:ext>
+            </a:extLst>
+          </p:cNvPr>
+          <p:cNvGrpSpPr/>
+          <p:nvPr/>
+        </p:nvGrpSpPr>
+        <p:grpSpPr>
+          <a:xfrm>
+            <a:off x="-1" y="970246"/>
+            <a:ext cx="12192002" cy="4917508"/>
+            <a:chOff x="786879" y="1287624"/>
+            <a:chExt cx="10618241" cy="4282751"/>
+          </a:xfrm>
+        </p:grpSpPr>
+        <p:pic>
+          <p:nvPicPr>
+            <p:cNvPr id="3" name="Рисунок 2">
+              <a:extLst>
+                <a:ext uri="{FF2B5EF4-FFF2-40B4-BE49-F238E27FC236}">
+                  <a16:creationId xmlns:a16="http://schemas.microsoft.com/office/drawing/2014/main" id="{74005EAC-0682-C99F-0C0C-EEFFD6057164}"/>
+                </a:ext>
+              </a:extLst>
+            </p:cNvPr>
+            <p:cNvPicPr>
+              <a:picLocks noChangeAspect="1"/>
+            </p:cNvPicPr>
+            <p:nvPr/>
+          </p:nvPicPr>
+          <p:blipFill>
+            <a:blip r:embed="rId2"/>
+            <a:srcRect l="31684" t="19048" r="24771" b="18503"/>
+            <a:stretch/>
+          </p:blipFill>
+          <p:spPr>
+            <a:xfrm>
+              <a:off x="6095999" y="1287624"/>
+              <a:ext cx="5309121" cy="4282751"/>
+            </a:xfrm>
+            <a:prstGeom prst="rect">
+              <a:avLst/>
+            </a:prstGeom>
+          </p:spPr>
+        </p:pic>
+        <p:pic>
+          <p:nvPicPr>
+            <p:cNvPr id="5" name="Рисунок 4">
+              <a:extLst>
+                <a:ext uri="{FF2B5EF4-FFF2-40B4-BE49-F238E27FC236}">
+                  <a16:creationId xmlns:a16="http://schemas.microsoft.com/office/drawing/2014/main" id="{BFF7DF5B-F977-84D7-B662-1C2D59BE1E19}"/>
+                </a:ext>
+              </a:extLst>
+            </p:cNvPr>
+            <p:cNvPicPr>
+              <a:picLocks noChangeAspect="1"/>
+            </p:cNvPicPr>
+            <p:nvPr/>
+          </p:nvPicPr>
+          <p:blipFill>
+            <a:blip r:embed="rId3"/>
+            <a:srcRect l="31684" t="19048" r="24771" b="18503"/>
+            <a:stretch/>
+          </p:blipFill>
+          <p:spPr>
+            <a:xfrm>
+              <a:off x="786879" y="1287624"/>
+              <a:ext cx="5309120" cy="4282751"/>
+            </a:xfrm>
+            <a:prstGeom prst="rect">
+              <a:avLst/>
+            </a:prstGeom>
+          </p:spPr>
+        </p:pic>
+        <p:sp>
+          <p:nvSpPr>
+            <p:cNvPr id="6" name="Прямоугольник 5">
+              <a:extLst>
+                <a:ext uri="{FF2B5EF4-FFF2-40B4-BE49-F238E27FC236}">
+                  <a16:creationId xmlns:a16="http://schemas.microsoft.com/office/drawing/2014/main" id="{CF755510-7B4C-FAE6-EBE0-4206D056B5E7}"/>
+                </a:ext>
+              </a:extLst>
+            </p:cNvPr>
+            <p:cNvSpPr/>
+            <p:nvPr/>
+          </p:nvSpPr>
+          <p:spPr>
+            <a:xfrm>
+              <a:off x="914399" y="1642188"/>
+              <a:ext cx="2611087" cy="276388"/>
+            </a:xfrm>
+            <a:prstGeom prst="rect">
+              <a:avLst/>
+            </a:prstGeom>
+            <a:noFill/>
+            <a:ln>
+              <a:solidFill>
+                <a:srgbClr val="FF0000"/>
+              </a:solidFill>
+            </a:ln>
+          </p:spPr>
+          <p:style>
+            <a:lnRef idx="2">
+              <a:schemeClr val="accent1">
+                <a:shade val="15000"/>
+              </a:schemeClr>
+            </a:lnRef>
+            <a:fillRef idx="1">
+              <a:schemeClr val="accent1"/>
+            </a:fillRef>
+            <a:effectRef idx="0">
+              <a:schemeClr val="accent1"/>
+            </a:effectRef>
+            <a:fontRef idx="minor">
+              <a:schemeClr val="lt1"/>
+            </a:fontRef>
+          </p:style>
+          <p:txBody>
+            <a:bodyPr rtlCol="0" anchor="ctr"/>
+            <a:lstStyle/>
+            <a:p>
+              <a:pPr algn="ctr"/>
+              <a:endParaRPr lang="ru-RU"/>
+            </a:p>
+          </p:txBody>
+        </p:sp>
+        <p:sp>
+          <p:nvSpPr>
+            <p:cNvPr id="7" name="Прямоугольник 6">
+              <a:extLst>
+                <a:ext uri="{FF2B5EF4-FFF2-40B4-BE49-F238E27FC236}">
+                  <a16:creationId xmlns:a16="http://schemas.microsoft.com/office/drawing/2014/main" id="{F966BCF8-4B5D-D3C0-2F2A-6CA862C4ACBE}"/>
+                </a:ext>
+              </a:extLst>
+            </p:cNvPr>
+            <p:cNvSpPr/>
+            <p:nvPr/>
+          </p:nvSpPr>
+          <p:spPr>
+            <a:xfrm>
+              <a:off x="1112867" y="1983354"/>
+              <a:ext cx="2238808" cy="2989861"/>
+            </a:xfrm>
+            <a:prstGeom prst="rect">
+              <a:avLst/>
+            </a:prstGeom>
+            <a:noFill/>
+            <a:ln>
+              <a:solidFill>
+                <a:srgbClr val="FF0000"/>
+              </a:solidFill>
+            </a:ln>
+          </p:spPr>
+          <p:style>
+            <a:lnRef idx="2">
+              <a:schemeClr val="accent1">
+                <a:shade val="15000"/>
+              </a:schemeClr>
+            </a:lnRef>
+            <a:fillRef idx="1">
+              <a:schemeClr val="accent1"/>
+            </a:fillRef>
+            <a:effectRef idx="0">
+              <a:schemeClr val="accent1"/>
+            </a:effectRef>
+            <a:fontRef idx="minor">
+              <a:schemeClr val="lt1"/>
+            </a:fontRef>
+          </p:style>
+          <p:txBody>
+            <a:bodyPr rtlCol="0" anchor="ctr"/>
+            <a:lstStyle/>
+            <a:p>
+              <a:pPr algn="ctr"/>
+              <a:endParaRPr lang="ru-RU"/>
+            </a:p>
+          </p:txBody>
+        </p:sp>
+        <p:sp>
+          <p:nvSpPr>
+            <p:cNvPr id="8" name="Прямоугольник 7">
+              <a:extLst>
+                <a:ext uri="{FF2B5EF4-FFF2-40B4-BE49-F238E27FC236}">
+                  <a16:creationId xmlns:a16="http://schemas.microsoft.com/office/drawing/2014/main" id="{64800F0E-80EE-6CC7-C366-EE1476789F72}"/>
+                </a:ext>
+              </a:extLst>
+            </p:cNvPr>
+            <p:cNvSpPr/>
+            <p:nvPr/>
+          </p:nvSpPr>
+          <p:spPr>
+            <a:xfrm>
+              <a:off x="3490187" y="1983354"/>
+              <a:ext cx="2238808" cy="2989861"/>
+            </a:xfrm>
+            <a:prstGeom prst="rect">
+              <a:avLst/>
+            </a:prstGeom>
+            <a:noFill/>
+            <a:ln>
+              <a:solidFill>
+                <a:srgbClr val="FF0000"/>
+              </a:solidFill>
+            </a:ln>
+          </p:spPr>
+          <p:style>
+            <a:lnRef idx="2">
+              <a:schemeClr val="accent1">
+                <a:shade val="15000"/>
+              </a:schemeClr>
+            </a:lnRef>
+            <a:fillRef idx="1">
+              <a:schemeClr val="accent1"/>
+            </a:fillRef>
+            <a:effectRef idx="0">
+              <a:schemeClr val="accent1"/>
+            </a:effectRef>
+            <a:fontRef idx="minor">
+              <a:schemeClr val="lt1"/>
+            </a:fontRef>
+          </p:style>
+          <p:txBody>
+            <a:bodyPr rtlCol="0" anchor="ctr"/>
+            <a:lstStyle/>
+            <a:p>
+              <a:pPr algn="ctr"/>
+              <a:endParaRPr lang="ru-RU" dirty="0"/>
+            </a:p>
+          </p:txBody>
+        </p:sp>
+        <p:sp>
+          <p:nvSpPr>
+            <p:cNvPr id="13" name="Прямоугольник 12">
+              <a:extLst>
+                <a:ext uri="{FF2B5EF4-FFF2-40B4-BE49-F238E27FC236}">
+                  <a16:creationId xmlns:a16="http://schemas.microsoft.com/office/drawing/2014/main" id="{321A5FDE-7423-C06F-4CD5-C9BB4B726BDB}"/>
+                </a:ext>
+              </a:extLst>
+            </p:cNvPr>
+            <p:cNvSpPr/>
+            <p:nvPr/>
+          </p:nvSpPr>
+          <p:spPr>
+            <a:xfrm>
+              <a:off x="6407559" y="2008712"/>
+              <a:ext cx="2238808" cy="2989861"/>
+            </a:xfrm>
+            <a:prstGeom prst="rect">
+              <a:avLst/>
+            </a:prstGeom>
+            <a:noFill/>
+            <a:ln>
+              <a:solidFill>
+                <a:srgbClr val="FF0000"/>
+              </a:solidFill>
+            </a:ln>
+          </p:spPr>
+          <p:style>
+            <a:lnRef idx="2">
+              <a:schemeClr val="accent1">
+                <a:shade val="15000"/>
+              </a:schemeClr>
+            </a:lnRef>
+            <a:fillRef idx="1">
+              <a:schemeClr val="accent1"/>
+            </a:fillRef>
+            <a:effectRef idx="0">
+              <a:schemeClr val="accent1"/>
+            </a:effectRef>
+            <a:fontRef idx="minor">
+              <a:schemeClr val="lt1"/>
+            </a:fontRef>
+          </p:style>
+          <p:txBody>
+            <a:bodyPr rtlCol="0" anchor="ctr"/>
+            <a:lstStyle/>
+            <a:p>
+              <a:pPr algn="ctr"/>
+              <a:endParaRPr lang="ru-RU" dirty="0"/>
+            </a:p>
+          </p:txBody>
+        </p:sp>
+      </p:grpSp>
+      <p:sp>
+        <p:nvSpPr>
+          <p:cNvPr id="16" name="Прямоугольник 15">
+            <a:extLst>
+              <a:ext uri="{FF2B5EF4-FFF2-40B4-BE49-F238E27FC236}">
+                <a16:creationId xmlns:a16="http://schemas.microsoft.com/office/drawing/2014/main" id="{23AF7921-8CC5-3C62-F85D-B1A0D2E86D2F}"/>
+              </a:ext>
+            </a:extLst>
+          </p:cNvPr>
+          <p:cNvSpPr/>
+          <p:nvPr/>
+        </p:nvSpPr>
+        <p:spPr>
+          <a:xfrm>
+            <a:off x="1819469" y="1083426"/>
+            <a:ext cx="1325034" cy="293935"/>
           </a:xfrm>
           <a:prstGeom prst="rect">
             <a:avLst/>
           </a:prstGeom>
-          <a:noFill/>
-        </p:spPr>
-        <p:txBody>
-          <a:bodyPr wrap="square">
-            <a:spAutoFit/>
-          </a:bodyPr>
-          <a:lstStyle/>
-          <a:p>
-            <a:r>
-              <a:rPr lang="ru-RU" dirty="0"/>
-              <a:t>комплексный признак работы и отображение </a:t>
-            </a:r>
-          </a:p>
-          <a:p>
-            <a:r>
-              <a:rPr lang="ru-RU" dirty="0"/>
-              <a:t>Состояния:</a:t>
-            </a:r>
-          </a:p>
-          <a:p>
-            <a:endParaRPr lang="ru-RU" dirty="0"/>
-          </a:p>
-          <a:p>
-            <a:r>
-              <a:rPr lang="ru-RU" dirty="0"/>
-              <a:t>**</a:t>
-            </a:r>
-            <a:r>
-              <a:rPr lang="ru-RU" dirty="0">
+          <a:solidFill>
+            <a:schemeClr val="accent4">
+              <a:lumMod val="20000"/>
+              <a:lumOff val="80000"/>
+            </a:schemeClr>
+          </a:solidFill>
+          <a:ln>
+            <a:solidFill>
+              <a:srgbClr val="FF0000"/>
+            </a:solidFill>
+          </a:ln>
+        </p:spPr>
+        <p:style>
+          <a:lnRef idx="2">
+            <a:schemeClr val="accent1">
+              <a:shade val="15000"/>
+            </a:schemeClr>
+          </a:lnRef>
+          <a:fillRef idx="1">
+            <a:schemeClr val="accent1"/>
+          </a:fillRef>
+          <a:effectRef idx="0">
+            <a:schemeClr val="accent1"/>
+          </a:effectRef>
+          <a:fontRef idx="minor">
+            <a:schemeClr val="lt1"/>
+          </a:fontRef>
+        </p:style>
+        <p:txBody>
+          <a:bodyPr rtlCol="0" anchor="ctr"/>
+          <a:lstStyle/>
+          <a:p>
+            <a:pPr algn="ctr"/>
+            <a:r>
+              <a:rPr lang="ru-RU" sz="1100" dirty="0">
                 <a:solidFill>
-                  <a:schemeClr val="accent5"/>
+                  <a:schemeClr val="tx1"/>
                 </a:solidFill>
               </a:rPr>
-              <a:t>Выключена</a:t>
-            </a:r>
-            <a:r>
-              <a:rPr lang="ru-RU" dirty="0"/>
-              <a:t>**: Система не работает и не обеспечивает воздухообмен.</a:t>
-            </a:r>
-          </a:p>
-          <a:p>
-            <a:r>
-              <a:rPr lang="ru-RU" dirty="0"/>
-              <a:t>**</a:t>
-            </a:r>
-            <a:r>
-              <a:rPr lang="ru-RU" dirty="0">
+              <a:t>выбор вкладки</a:t>
+            </a:r>
+          </a:p>
+        </p:txBody>
+      </p:sp>
+      <p:sp>
+        <p:nvSpPr>
+          <p:cNvPr id="18" name="Прямоугольник 17">
+            <a:extLst>
+              <a:ext uri="{FF2B5EF4-FFF2-40B4-BE49-F238E27FC236}">
+                <a16:creationId xmlns:a16="http://schemas.microsoft.com/office/drawing/2014/main" id="{B98C2037-CE9F-3AA2-5BDC-A71251CD8F4F}"/>
+              </a:ext>
+            </a:extLst>
+          </p:cNvPr>
+          <p:cNvSpPr/>
+          <p:nvPr/>
+        </p:nvSpPr>
+        <p:spPr>
+          <a:xfrm>
+            <a:off x="1051560" y="5202088"/>
+            <a:ext cx="1893371" cy="293935"/>
+          </a:xfrm>
+          <a:prstGeom prst="rect">
+            <a:avLst/>
+          </a:prstGeom>
+          <a:solidFill>
+            <a:schemeClr val="accent4">
+              <a:lumMod val="20000"/>
+              <a:lumOff val="80000"/>
+            </a:schemeClr>
+          </a:solidFill>
+          <a:ln>
+            <a:solidFill>
+              <a:srgbClr val="FF0000"/>
+            </a:solidFill>
+          </a:ln>
+        </p:spPr>
+        <p:style>
+          <a:lnRef idx="2">
+            <a:schemeClr val="accent1">
+              <a:shade val="15000"/>
+            </a:schemeClr>
+          </a:lnRef>
+          <a:fillRef idx="1">
+            <a:schemeClr val="accent1"/>
+          </a:fillRef>
+          <a:effectRef idx="0">
+            <a:schemeClr val="accent1"/>
+          </a:effectRef>
+          <a:fontRef idx="minor">
+            <a:schemeClr val="lt1"/>
+          </a:fontRef>
+        </p:style>
+        <p:txBody>
+          <a:bodyPr rtlCol="0" anchor="ctr"/>
+          <a:lstStyle/>
+          <a:p>
+            <a:pPr algn="ctr"/>
+            <a:r>
+              <a:rPr lang="ru-RU" sz="1100" dirty="0">
                 <a:solidFill>
-                  <a:schemeClr val="accent6"/>
+                  <a:schemeClr val="tx1"/>
                 </a:solidFill>
               </a:rPr>
-              <a:t>Включена</a:t>
-            </a:r>
-            <a:r>
-              <a:rPr lang="ru-RU" dirty="0"/>
-              <a:t>**: Система активна и функционирует.</a:t>
-            </a:r>
-          </a:p>
-          <a:p>
-            <a:r>
-              <a:rPr lang="ru-RU" dirty="0"/>
-              <a:t>**</a:t>
-            </a:r>
-            <a:r>
-              <a:rPr lang="ru-RU" dirty="0">
+              <a:t>данные с устройства</a:t>
+            </a:r>
+          </a:p>
+        </p:txBody>
+      </p:sp>
+      <p:sp>
+        <p:nvSpPr>
+          <p:cNvPr id="19" name="Прямоугольник 18">
+            <a:extLst>
+              <a:ext uri="{FF2B5EF4-FFF2-40B4-BE49-F238E27FC236}">
+                <a16:creationId xmlns:a16="http://schemas.microsoft.com/office/drawing/2014/main" id="{98FAB619-1D32-894B-1E48-C0CF3E84E921}"/>
+              </a:ext>
+            </a:extLst>
+          </p:cNvPr>
+          <p:cNvSpPr/>
+          <p:nvPr/>
+        </p:nvSpPr>
+        <p:spPr>
+          <a:xfrm>
+            <a:off x="3781229" y="5202088"/>
+            <a:ext cx="1893371" cy="293935"/>
+          </a:xfrm>
+          <a:prstGeom prst="rect">
+            <a:avLst/>
+          </a:prstGeom>
+          <a:solidFill>
+            <a:schemeClr val="accent4">
+              <a:lumMod val="20000"/>
+              <a:lumOff val="80000"/>
+            </a:schemeClr>
+          </a:solidFill>
+          <a:ln>
+            <a:solidFill>
+              <a:srgbClr val="FF0000"/>
+            </a:solidFill>
+          </a:ln>
+        </p:spPr>
+        <p:style>
+          <a:lnRef idx="2">
+            <a:schemeClr val="accent1">
+              <a:shade val="15000"/>
+            </a:schemeClr>
+          </a:lnRef>
+          <a:fillRef idx="1">
+            <a:schemeClr val="accent1"/>
+          </a:fillRef>
+          <a:effectRef idx="0">
+            <a:schemeClr val="accent1"/>
+          </a:effectRef>
+          <a:fontRef idx="minor">
+            <a:schemeClr val="lt1"/>
+          </a:fontRef>
+        </p:style>
+        <p:txBody>
+          <a:bodyPr rtlCol="0" anchor="ctr"/>
+          <a:lstStyle/>
+          <a:p>
+            <a:pPr algn="ctr"/>
+            <a:r>
+              <a:rPr lang="ru-RU" sz="1100" dirty="0">
                 <a:solidFill>
-                  <a:schemeClr val="accent6"/>
+                  <a:schemeClr val="tx1"/>
                 </a:solidFill>
               </a:rPr>
-              <a:t>Режим ожидания</a:t>
-            </a:r>
-            <a:r>
-              <a:rPr lang="ru-RU" dirty="0"/>
-              <a:t>**: Система находится в спящем режиме, готова к включению по необходимости.</a:t>
-            </a:r>
-          </a:p>
-          <a:p>
-            <a:endParaRPr lang="ru-RU" dirty="0"/>
-          </a:p>
-          <a:p>
-            <a:r>
-              <a:rPr lang="ru-RU" dirty="0"/>
-              <a:t>**</a:t>
-            </a:r>
-            <a:r>
-              <a:rPr lang="ru-RU" dirty="0">
+              <a:t>управление устройством</a:t>
+            </a:r>
+          </a:p>
+        </p:txBody>
+      </p:sp>
+      <p:sp>
+        <p:nvSpPr>
+          <p:cNvPr id="20" name="Прямоугольник 19">
+            <a:extLst>
+              <a:ext uri="{FF2B5EF4-FFF2-40B4-BE49-F238E27FC236}">
+                <a16:creationId xmlns:a16="http://schemas.microsoft.com/office/drawing/2014/main" id="{5836E8F9-A0A3-6B59-42E3-3497FA60DBA4}"/>
+              </a:ext>
+            </a:extLst>
+          </p:cNvPr>
+          <p:cNvSpPr/>
+          <p:nvPr/>
+        </p:nvSpPr>
+        <p:spPr>
+          <a:xfrm>
+            <a:off x="7130994" y="5231204"/>
+            <a:ext cx="1893371" cy="293935"/>
+          </a:xfrm>
+          <a:prstGeom prst="rect">
+            <a:avLst/>
+          </a:prstGeom>
+          <a:solidFill>
+            <a:schemeClr val="accent4">
+              <a:lumMod val="20000"/>
+              <a:lumOff val="80000"/>
+            </a:schemeClr>
+          </a:solidFill>
+          <a:ln>
+            <a:solidFill>
+              <a:srgbClr val="FF0000"/>
+            </a:solidFill>
+          </a:ln>
+        </p:spPr>
+        <p:style>
+          <a:lnRef idx="2">
+            <a:schemeClr val="accent1">
+              <a:shade val="15000"/>
+            </a:schemeClr>
+          </a:lnRef>
+          <a:fillRef idx="1">
+            <a:schemeClr val="accent1"/>
+          </a:fillRef>
+          <a:effectRef idx="0">
+            <a:schemeClr val="accent1"/>
+          </a:effectRef>
+          <a:fontRef idx="minor">
+            <a:schemeClr val="lt1"/>
+          </a:fontRef>
+        </p:style>
+        <p:txBody>
+          <a:bodyPr rtlCol="0" anchor="ctr"/>
+          <a:lstStyle/>
+          <a:p>
+            <a:pPr algn="ctr"/>
+            <a:r>
+              <a:rPr lang="ru-RU" sz="1100" dirty="0">
                 <a:solidFill>
-                  <a:schemeClr val="accent2"/>
+                  <a:schemeClr val="tx1"/>
                 </a:solidFill>
               </a:rPr>
-              <a:t>Тех. обслуживание</a:t>
-            </a:r>
-            <a:r>
-              <a:rPr lang="ru-RU" dirty="0"/>
-              <a:t>**: Система временно отключена для проведения профилактических работ.</a:t>
-            </a:r>
-          </a:p>
-          <a:p>
-            <a:r>
-              <a:rPr lang="ru-RU" dirty="0"/>
-              <a:t>**</a:t>
-            </a:r>
-            <a:r>
-              <a:rPr lang="ru-RU" dirty="0">
-                <a:solidFill>
-                  <a:srgbClr val="FF0000"/>
-                </a:solidFill>
-              </a:rPr>
-              <a:t>Ошибка системы</a:t>
-            </a:r>
-            <a:r>
-              <a:rPr lang="ru-RU" dirty="0"/>
-              <a:t>**: Обнаружена неисправность, система не функционирует должным образом.</a:t>
-            </a:r>
-          </a:p>
-          <a:p>
-            <a:endParaRPr lang="ru-RU" dirty="0"/>
+              <a:t>настройки программы</a:t>
+            </a:r>
           </a:p>
         </p:txBody>
       </p:sp>
     </p:spTree>
     <p:extLst>
       <p:ext uri="{BB962C8B-B14F-4D97-AF65-F5344CB8AC3E}">
-        <p14:creationId xmlns:p14="http://schemas.microsoft.com/office/powerpoint/2010/main" val="855884454"/>
+        <p14:creationId xmlns:p14="http://schemas.microsoft.com/office/powerpoint/2010/main" val="3516327617"/>
+      </p:ext>
+    </p:extLst>
+  </p:cSld>
+  <p:clrMapOvr>
+    <a:masterClrMapping/>
+  </p:clrMapOvr>
+</p:sld>
+</file>
+
+<file path=ppt/slides/slide7.xml><?xml version="1.0" encoding="utf-8"?>
+<p:sld xmlns:a="http://schemas.openxmlformats.org/drawingml/2006/main" xmlns:r="http://schemas.openxmlformats.org/officeDocument/2006/relationships" xmlns:p="http://schemas.openxmlformats.org/presentationml/2006/main">
+  <p:cSld>
+    <p:spTree>
+      <p:nvGrpSpPr>
+        <p:cNvPr id="1" name="">
+          <a:extLst>
+            <a:ext uri="{FF2B5EF4-FFF2-40B4-BE49-F238E27FC236}">
+              <a16:creationId xmlns:a16="http://schemas.microsoft.com/office/drawing/2014/main" id="{0AB542FD-02CA-C248-B4B0-9DD03900D779}"/>
+            </a:ext>
+          </a:extLst>
+        </p:cNvPr>
+        <p:cNvGrpSpPr/>
+        <p:nvPr/>
+      </p:nvGrpSpPr>
+      <p:grpSpPr>
+        <a:xfrm>
+          <a:off x="0" y="0"/>
+          <a:ext cx="0" cy="0"/>
+          <a:chOff x="0" y="0"/>
+          <a:chExt cx="0" cy="0"/>
+        </a:xfrm>
+      </p:grpSpPr>
+      <p:pic>
+        <p:nvPicPr>
+          <p:cNvPr id="3" name="Рисунок 2">
+            <a:extLst>
+              <a:ext uri="{FF2B5EF4-FFF2-40B4-BE49-F238E27FC236}">
+                <a16:creationId xmlns:a16="http://schemas.microsoft.com/office/drawing/2014/main" id="{AAD489E1-68F5-5507-25B9-ABBD9930F50A}"/>
+              </a:ext>
+            </a:extLst>
+          </p:cNvPr>
+          <p:cNvPicPr>
+            <a:picLocks noChangeAspect="1"/>
+          </p:cNvPicPr>
+          <p:nvPr/>
+        </p:nvPicPr>
+        <p:blipFill>
+          <a:blip r:embed="rId2"/>
+          <a:srcRect l="31684" t="19048" r="24771" b="18503"/>
+          <a:stretch/>
+        </p:blipFill>
+        <p:spPr>
+          <a:xfrm>
+            <a:off x="6095999" y="970246"/>
+            <a:ext cx="6096002" cy="4917508"/>
+          </a:xfrm>
+          <a:prstGeom prst="rect">
+            <a:avLst/>
+          </a:prstGeom>
+        </p:spPr>
+      </p:pic>
+      <p:pic>
+        <p:nvPicPr>
+          <p:cNvPr id="5" name="Рисунок 4">
+            <a:extLst>
+              <a:ext uri="{FF2B5EF4-FFF2-40B4-BE49-F238E27FC236}">
+                <a16:creationId xmlns:a16="http://schemas.microsoft.com/office/drawing/2014/main" id="{602C2B8C-0EBD-12C6-0EFF-481D6E0DFE80}"/>
+              </a:ext>
+            </a:extLst>
+          </p:cNvPr>
+          <p:cNvPicPr>
+            <a:picLocks noChangeAspect="1"/>
+          </p:cNvPicPr>
+          <p:nvPr/>
+        </p:nvPicPr>
+        <p:blipFill>
+          <a:blip r:embed="rId3"/>
+          <a:srcRect l="31684" t="19048" r="24771" b="18503"/>
+          <a:stretch/>
+        </p:blipFill>
+        <p:spPr>
+          <a:xfrm>
+            <a:off x="-1" y="970246"/>
+            <a:ext cx="6096000" cy="4917508"/>
+          </a:xfrm>
+          <a:prstGeom prst="rect">
+            <a:avLst/>
+          </a:prstGeom>
+        </p:spPr>
+      </p:pic>
+      <p:grpSp>
+        <p:nvGrpSpPr>
+          <p:cNvPr id="11" name="Группа 10">
+            <a:extLst>
+              <a:ext uri="{FF2B5EF4-FFF2-40B4-BE49-F238E27FC236}">
+                <a16:creationId xmlns:a16="http://schemas.microsoft.com/office/drawing/2014/main" id="{6E9F7DF7-4728-90E5-20B1-E43B62D493B1}"/>
+              </a:ext>
+            </a:extLst>
+          </p:cNvPr>
+          <p:cNvGrpSpPr/>
+          <p:nvPr/>
+        </p:nvGrpSpPr>
+        <p:grpSpPr>
+          <a:xfrm>
+            <a:off x="374303" y="2265681"/>
+            <a:ext cx="2570628" cy="2936407"/>
+            <a:chOff x="374303" y="2265681"/>
+            <a:chExt cx="2570628" cy="2981960"/>
+          </a:xfrm>
+        </p:grpSpPr>
+        <p:sp>
+          <p:nvSpPr>
+            <p:cNvPr id="7" name="Прямоугольник 6">
+              <a:extLst>
+                <a:ext uri="{FF2B5EF4-FFF2-40B4-BE49-F238E27FC236}">
+                  <a16:creationId xmlns:a16="http://schemas.microsoft.com/office/drawing/2014/main" id="{494AAFC5-E461-FD6A-F550-2498A3D13892}"/>
+                </a:ext>
+              </a:extLst>
+            </p:cNvPr>
+            <p:cNvSpPr/>
+            <p:nvPr/>
+          </p:nvSpPr>
+          <p:spPr>
+            <a:xfrm>
+              <a:off x="374303" y="2265681"/>
+              <a:ext cx="2570628" cy="680720"/>
+            </a:xfrm>
+            <a:prstGeom prst="rect">
+              <a:avLst/>
+            </a:prstGeom>
+            <a:noFill/>
+            <a:ln>
+              <a:solidFill>
+                <a:srgbClr val="FF0000"/>
+              </a:solidFill>
+            </a:ln>
+          </p:spPr>
+          <p:style>
+            <a:lnRef idx="2">
+              <a:schemeClr val="accent1">
+                <a:shade val="15000"/>
+              </a:schemeClr>
+            </a:lnRef>
+            <a:fillRef idx="1">
+              <a:schemeClr val="accent1"/>
+            </a:fillRef>
+            <a:effectRef idx="0">
+              <a:schemeClr val="accent1"/>
+            </a:effectRef>
+            <a:fontRef idx="minor">
+              <a:schemeClr val="lt1"/>
+            </a:fontRef>
+          </p:style>
+          <p:txBody>
+            <a:bodyPr rtlCol="0" anchor="ctr"/>
+            <a:lstStyle/>
+            <a:p>
+              <a:pPr algn="ctr"/>
+              <a:endParaRPr lang="ru-RU"/>
+            </a:p>
+          </p:txBody>
+        </p:sp>
+        <p:sp>
+          <p:nvSpPr>
+            <p:cNvPr id="2" name="Прямоугольник 1">
+              <a:extLst>
+                <a:ext uri="{FF2B5EF4-FFF2-40B4-BE49-F238E27FC236}">
+                  <a16:creationId xmlns:a16="http://schemas.microsoft.com/office/drawing/2014/main" id="{FE7C54AD-BB71-8676-4D21-8CFAAB784C62}"/>
+                </a:ext>
+              </a:extLst>
+            </p:cNvPr>
+            <p:cNvSpPr/>
+            <p:nvPr/>
+          </p:nvSpPr>
+          <p:spPr>
+            <a:xfrm>
+              <a:off x="374303" y="3032761"/>
+              <a:ext cx="2570628" cy="680720"/>
+            </a:xfrm>
+            <a:prstGeom prst="rect">
+              <a:avLst/>
+            </a:prstGeom>
+            <a:noFill/>
+            <a:ln>
+              <a:solidFill>
+                <a:srgbClr val="FF0000"/>
+              </a:solidFill>
+            </a:ln>
+          </p:spPr>
+          <p:style>
+            <a:lnRef idx="2">
+              <a:schemeClr val="accent1">
+                <a:shade val="15000"/>
+              </a:schemeClr>
+            </a:lnRef>
+            <a:fillRef idx="1">
+              <a:schemeClr val="accent1"/>
+            </a:fillRef>
+            <a:effectRef idx="0">
+              <a:schemeClr val="accent1"/>
+            </a:effectRef>
+            <a:fontRef idx="minor">
+              <a:schemeClr val="lt1"/>
+            </a:fontRef>
+          </p:style>
+          <p:txBody>
+            <a:bodyPr rtlCol="0" anchor="ctr"/>
+            <a:lstStyle/>
+            <a:p>
+              <a:pPr algn="ctr"/>
+              <a:endParaRPr lang="ru-RU"/>
+            </a:p>
+          </p:txBody>
+        </p:sp>
+        <p:sp>
+          <p:nvSpPr>
+            <p:cNvPr id="4" name="Прямоугольник 3">
+              <a:extLst>
+                <a:ext uri="{FF2B5EF4-FFF2-40B4-BE49-F238E27FC236}">
+                  <a16:creationId xmlns:a16="http://schemas.microsoft.com/office/drawing/2014/main" id="{03C93A25-E5CC-F968-3A37-29485E086293}"/>
+                </a:ext>
+              </a:extLst>
+            </p:cNvPr>
+            <p:cNvSpPr/>
+            <p:nvPr/>
+          </p:nvSpPr>
+          <p:spPr>
+            <a:xfrm>
+              <a:off x="374303" y="3799841"/>
+              <a:ext cx="2570628" cy="680720"/>
+            </a:xfrm>
+            <a:prstGeom prst="rect">
+              <a:avLst/>
+            </a:prstGeom>
+            <a:noFill/>
+            <a:ln>
+              <a:solidFill>
+                <a:srgbClr val="FF0000"/>
+              </a:solidFill>
+            </a:ln>
+          </p:spPr>
+          <p:style>
+            <a:lnRef idx="2">
+              <a:schemeClr val="accent1">
+                <a:shade val="15000"/>
+              </a:schemeClr>
+            </a:lnRef>
+            <a:fillRef idx="1">
+              <a:schemeClr val="accent1"/>
+            </a:fillRef>
+            <a:effectRef idx="0">
+              <a:schemeClr val="accent1"/>
+            </a:effectRef>
+            <a:fontRef idx="minor">
+              <a:schemeClr val="lt1"/>
+            </a:fontRef>
+          </p:style>
+          <p:txBody>
+            <a:bodyPr rtlCol="0" anchor="ctr"/>
+            <a:lstStyle/>
+            <a:p>
+              <a:pPr algn="ctr"/>
+              <a:endParaRPr lang="ru-RU"/>
+            </a:p>
+          </p:txBody>
+        </p:sp>
+        <p:sp>
+          <p:nvSpPr>
+            <p:cNvPr id="9" name="Прямоугольник 8">
+              <a:extLst>
+                <a:ext uri="{FF2B5EF4-FFF2-40B4-BE49-F238E27FC236}">
+                  <a16:creationId xmlns:a16="http://schemas.microsoft.com/office/drawing/2014/main" id="{4C72589D-5D6F-3900-7DBE-AA2008DF8391}"/>
+                </a:ext>
+              </a:extLst>
+            </p:cNvPr>
+            <p:cNvSpPr/>
+            <p:nvPr/>
+          </p:nvSpPr>
+          <p:spPr>
+            <a:xfrm>
+              <a:off x="374303" y="4566921"/>
+              <a:ext cx="2570628" cy="680720"/>
+            </a:xfrm>
+            <a:prstGeom prst="rect">
+              <a:avLst/>
+            </a:prstGeom>
+            <a:noFill/>
+            <a:ln>
+              <a:solidFill>
+                <a:srgbClr val="FF0000"/>
+              </a:solidFill>
+            </a:ln>
+          </p:spPr>
+          <p:style>
+            <a:lnRef idx="2">
+              <a:schemeClr val="accent1">
+                <a:shade val="15000"/>
+              </a:schemeClr>
+            </a:lnRef>
+            <a:fillRef idx="1">
+              <a:schemeClr val="accent1"/>
+            </a:fillRef>
+            <a:effectRef idx="0">
+              <a:schemeClr val="accent1"/>
+            </a:effectRef>
+            <a:fontRef idx="minor">
+              <a:schemeClr val="lt1"/>
+            </a:fontRef>
+          </p:style>
+          <p:txBody>
+            <a:bodyPr rtlCol="0" anchor="ctr"/>
+            <a:lstStyle/>
+            <a:p>
+              <a:pPr algn="ctr"/>
+              <a:endParaRPr lang="ru-RU"/>
+            </a:p>
+          </p:txBody>
+        </p:sp>
+      </p:grpSp>
+      <p:grpSp>
+        <p:nvGrpSpPr>
+          <p:cNvPr id="12" name="Группа 11">
+            <a:extLst>
+              <a:ext uri="{FF2B5EF4-FFF2-40B4-BE49-F238E27FC236}">
+                <a16:creationId xmlns:a16="http://schemas.microsoft.com/office/drawing/2014/main" id="{45370BD4-9D56-62FE-E099-BC07CF58A820}"/>
+              </a:ext>
+            </a:extLst>
+          </p:cNvPr>
+          <p:cNvGrpSpPr/>
+          <p:nvPr/>
+        </p:nvGrpSpPr>
+        <p:grpSpPr>
+          <a:xfrm>
+            <a:off x="3113400" y="2265681"/>
+            <a:ext cx="2570628" cy="2936407"/>
+            <a:chOff x="374303" y="2265681"/>
+            <a:chExt cx="2570628" cy="2214880"/>
+          </a:xfrm>
+        </p:grpSpPr>
+        <p:sp>
+          <p:nvSpPr>
+            <p:cNvPr id="14" name="Прямоугольник 13">
+              <a:extLst>
+                <a:ext uri="{FF2B5EF4-FFF2-40B4-BE49-F238E27FC236}">
+                  <a16:creationId xmlns:a16="http://schemas.microsoft.com/office/drawing/2014/main" id="{15BA355B-ABAD-3DD3-3786-CB29F34BAD0C}"/>
+                </a:ext>
+              </a:extLst>
+            </p:cNvPr>
+            <p:cNvSpPr/>
+            <p:nvPr/>
+          </p:nvSpPr>
+          <p:spPr>
+            <a:xfrm>
+              <a:off x="374303" y="2265681"/>
+              <a:ext cx="2570628" cy="680720"/>
+            </a:xfrm>
+            <a:prstGeom prst="rect">
+              <a:avLst/>
+            </a:prstGeom>
+            <a:noFill/>
+            <a:ln>
+              <a:solidFill>
+                <a:srgbClr val="FF0000"/>
+              </a:solidFill>
+            </a:ln>
+          </p:spPr>
+          <p:style>
+            <a:lnRef idx="2">
+              <a:schemeClr val="accent1">
+                <a:shade val="15000"/>
+              </a:schemeClr>
+            </a:lnRef>
+            <a:fillRef idx="1">
+              <a:schemeClr val="accent1"/>
+            </a:fillRef>
+            <a:effectRef idx="0">
+              <a:schemeClr val="accent1"/>
+            </a:effectRef>
+            <a:fontRef idx="minor">
+              <a:schemeClr val="lt1"/>
+            </a:fontRef>
+          </p:style>
+          <p:txBody>
+            <a:bodyPr rtlCol="0" anchor="ctr"/>
+            <a:lstStyle/>
+            <a:p>
+              <a:pPr algn="ctr"/>
+              <a:endParaRPr lang="ru-RU"/>
+            </a:p>
+          </p:txBody>
+        </p:sp>
+        <p:sp>
+          <p:nvSpPr>
+            <p:cNvPr id="16" name="Прямоугольник 15">
+              <a:extLst>
+                <a:ext uri="{FF2B5EF4-FFF2-40B4-BE49-F238E27FC236}">
+                  <a16:creationId xmlns:a16="http://schemas.microsoft.com/office/drawing/2014/main" id="{1582A525-FDC8-E911-3952-6DA984FFE92B}"/>
+                </a:ext>
+              </a:extLst>
+            </p:cNvPr>
+            <p:cNvSpPr/>
+            <p:nvPr/>
+          </p:nvSpPr>
+          <p:spPr>
+            <a:xfrm>
+              <a:off x="374303" y="3032761"/>
+              <a:ext cx="2570628" cy="680720"/>
+            </a:xfrm>
+            <a:prstGeom prst="rect">
+              <a:avLst/>
+            </a:prstGeom>
+            <a:noFill/>
+            <a:ln>
+              <a:solidFill>
+                <a:srgbClr val="FF0000"/>
+              </a:solidFill>
+            </a:ln>
+          </p:spPr>
+          <p:style>
+            <a:lnRef idx="2">
+              <a:schemeClr val="accent1">
+                <a:shade val="15000"/>
+              </a:schemeClr>
+            </a:lnRef>
+            <a:fillRef idx="1">
+              <a:schemeClr val="accent1"/>
+            </a:fillRef>
+            <a:effectRef idx="0">
+              <a:schemeClr val="accent1"/>
+            </a:effectRef>
+            <a:fontRef idx="minor">
+              <a:schemeClr val="lt1"/>
+            </a:fontRef>
+          </p:style>
+          <p:txBody>
+            <a:bodyPr rtlCol="0" anchor="ctr"/>
+            <a:lstStyle/>
+            <a:p>
+              <a:pPr algn="ctr"/>
+              <a:endParaRPr lang="ru-RU"/>
+            </a:p>
+          </p:txBody>
+        </p:sp>
+        <p:sp>
+          <p:nvSpPr>
+            <p:cNvPr id="17" name="Прямоугольник 16">
+              <a:extLst>
+                <a:ext uri="{FF2B5EF4-FFF2-40B4-BE49-F238E27FC236}">
+                  <a16:creationId xmlns:a16="http://schemas.microsoft.com/office/drawing/2014/main" id="{F5B38560-129F-5735-8615-2BBE4CE1C45E}"/>
+                </a:ext>
+              </a:extLst>
+            </p:cNvPr>
+            <p:cNvSpPr/>
+            <p:nvPr/>
+          </p:nvSpPr>
+          <p:spPr>
+            <a:xfrm>
+              <a:off x="374303" y="3799841"/>
+              <a:ext cx="2570628" cy="680720"/>
+            </a:xfrm>
+            <a:prstGeom prst="rect">
+              <a:avLst/>
+            </a:prstGeom>
+            <a:noFill/>
+            <a:ln>
+              <a:solidFill>
+                <a:srgbClr val="FF0000"/>
+              </a:solidFill>
+            </a:ln>
+          </p:spPr>
+          <p:style>
+            <a:lnRef idx="2">
+              <a:schemeClr val="accent1">
+                <a:shade val="15000"/>
+              </a:schemeClr>
+            </a:lnRef>
+            <a:fillRef idx="1">
+              <a:schemeClr val="accent1"/>
+            </a:fillRef>
+            <a:effectRef idx="0">
+              <a:schemeClr val="accent1"/>
+            </a:effectRef>
+            <a:fontRef idx="minor">
+              <a:schemeClr val="lt1"/>
+            </a:fontRef>
+          </p:style>
+          <p:txBody>
+            <a:bodyPr rtlCol="0" anchor="ctr"/>
+            <a:lstStyle/>
+            <a:p>
+              <a:pPr algn="ctr"/>
+              <a:endParaRPr lang="ru-RU"/>
+            </a:p>
+          </p:txBody>
+        </p:sp>
+      </p:grpSp>
+      <p:grpSp>
+        <p:nvGrpSpPr>
+          <p:cNvPr id="19" name="Группа 18">
+            <a:extLst>
+              <a:ext uri="{FF2B5EF4-FFF2-40B4-BE49-F238E27FC236}">
+                <a16:creationId xmlns:a16="http://schemas.microsoft.com/office/drawing/2014/main" id="{E8555214-9AA7-B90C-674E-76C3AE514730}"/>
+              </a:ext>
+            </a:extLst>
+          </p:cNvPr>
+          <p:cNvGrpSpPr/>
+          <p:nvPr/>
+        </p:nvGrpSpPr>
+        <p:grpSpPr>
+          <a:xfrm>
+            <a:off x="6470303" y="2265681"/>
+            <a:ext cx="2570628" cy="2936407"/>
+            <a:chOff x="374303" y="2265681"/>
+            <a:chExt cx="2570628" cy="2214880"/>
+          </a:xfrm>
+        </p:grpSpPr>
+        <p:sp>
+          <p:nvSpPr>
+            <p:cNvPr id="20" name="Прямоугольник 19">
+              <a:extLst>
+                <a:ext uri="{FF2B5EF4-FFF2-40B4-BE49-F238E27FC236}">
+                  <a16:creationId xmlns:a16="http://schemas.microsoft.com/office/drawing/2014/main" id="{A16EFB97-CB6B-B1EB-ECC2-4A8D4747BA85}"/>
+                </a:ext>
+              </a:extLst>
+            </p:cNvPr>
+            <p:cNvSpPr/>
+            <p:nvPr/>
+          </p:nvSpPr>
+          <p:spPr>
+            <a:xfrm>
+              <a:off x="374303" y="2265681"/>
+              <a:ext cx="2570628" cy="680720"/>
+            </a:xfrm>
+            <a:prstGeom prst="rect">
+              <a:avLst/>
+            </a:prstGeom>
+            <a:noFill/>
+            <a:ln>
+              <a:solidFill>
+                <a:srgbClr val="FF0000"/>
+              </a:solidFill>
+            </a:ln>
+          </p:spPr>
+          <p:style>
+            <a:lnRef idx="2">
+              <a:schemeClr val="accent1">
+                <a:shade val="15000"/>
+              </a:schemeClr>
+            </a:lnRef>
+            <a:fillRef idx="1">
+              <a:schemeClr val="accent1"/>
+            </a:fillRef>
+            <a:effectRef idx="0">
+              <a:schemeClr val="accent1"/>
+            </a:effectRef>
+            <a:fontRef idx="minor">
+              <a:schemeClr val="lt1"/>
+            </a:fontRef>
+          </p:style>
+          <p:txBody>
+            <a:bodyPr rtlCol="0" anchor="ctr"/>
+            <a:lstStyle/>
+            <a:p>
+              <a:pPr algn="ctr"/>
+              <a:endParaRPr lang="ru-RU"/>
+            </a:p>
+          </p:txBody>
+        </p:sp>
+        <p:sp>
+          <p:nvSpPr>
+            <p:cNvPr id="21" name="Прямоугольник 20">
+              <a:extLst>
+                <a:ext uri="{FF2B5EF4-FFF2-40B4-BE49-F238E27FC236}">
+                  <a16:creationId xmlns:a16="http://schemas.microsoft.com/office/drawing/2014/main" id="{31CA2EA7-21E3-C9AC-1A0B-8DDBA37B2522}"/>
+                </a:ext>
+              </a:extLst>
+            </p:cNvPr>
+            <p:cNvSpPr/>
+            <p:nvPr/>
+          </p:nvSpPr>
+          <p:spPr>
+            <a:xfrm>
+              <a:off x="374303" y="3032761"/>
+              <a:ext cx="2570628" cy="680720"/>
+            </a:xfrm>
+            <a:prstGeom prst="rect">
+              <a:avLst/>
+            </a:prstGeom>
+            <a:noFill/>
+            <a:ln>
+              <a:solidFill>
+                <a:srgbClr val="FF0000"/>
+              </a:solidFill>
+            </a:ln>
+          </p:spPr>
+          <p:style>
+            <a:lnRef idx="2">
+              <a:schemeClr val="accent1">
+                <a:shade val="15000"/>
+              </a:schemeClr>
+            </a:lnRef>
+            <a:fillRef idx="1">
+              <a:schemeClr val="accent1"/>
+            </a:fillRef>
+            <a:effectRef idx="0">
+              <a:schemeClr val="accent1"/>
+            </a:effectRef>
+            <a:fontRef idx="minor">
+              <a:schemeClr val="lt1"/>
+            </a:fontRef>
+          </p:style>
+          <p:txBody>
+            <a:bodyPr rtlCol="0" anchor="ctr"/>
+            <a:lstStyle/>
+            <a:p>
+              <a:pPr algn="ctr"/>
+              <a:endParaRPr lang="ru-RU"/>
+            </a:p>
+          </p:txBody>
+        </p:sp>
+        <p:sp>
+          <p:nvSpPr>
+            <p:cNvPr id="22" name="Прямоугольник 21">
+              <a:extLst>
+                <a:ext uri="{FF2B5EF4-FFF2-40B4-BE49-F238E27FC236}">
+                  <a16:creationId xmlns:a16="http://schemas.microsoft.com/office/drawing/2014/main" id="{3AFB08A7-8669-21C6-071E-D75653B91B55}"/>
+                </a:ext>
+              </a:extLst>
+            </p:cNvPr>
+            <p:cNvSpPr/>
+            <p:nvPr/>
+          </p:nvSpPr>
+          <p:spPr>
+            <a:xfrm>
+              <a:off x="374303" y="3799841"/>
+              <a:ext cx="2570628" cy="680720"/>
+            </a:xfrm>
+            <a:prstGeom prst="rect">
+              <a:avLst/>
+            </a:prstGeom>
+            <a:noFill/>
+            <a:ln>
+              <a:solidFill>
+                <a:srgbClr val="FF0000"/>
+              </a:solidFill>
+            </a:ln>
+          </p:spPr>
+          <p:style>
+            <a:lnRef idx="2">
+              <a:schemeClr val="accent1">
+                <a:shade val="15000"/>
+              </a:schemeClr>
+            </a:lnRef>
+            <a:fillRef idx="1">
+              <a:schemeClr val="accent1"/>
+            </a:fillRef>
+            <a:effectRef idx="0">
+              <a:schemeClr val="accent1"/>
+            </a:effectRef>
+            <a:fontRef idx="minor">
+              <a:schemeClr val="lt1"/>
+            </a:fontRef>
+          </p:style>
+          <p:txBody>
+            <a:bodyPr rtlCol="0" anchor="ctr"/>
+            <a:lstStyle/>
+            <a:p>
+              <a:pPr algn="ctr"/>
+              <a:endParaRPr lang="ru-RU"/>
+            </a:p>
+          </p:txBody>
+        </p:sp>
+      </p:grpSp>
+      <p:sp>
+        <p:nvSpPr>
+          <p:cNvPr id="23" name="Прямоугольник 22">
+            <a:extLst>
+              <a:ext uri="{FF2B5EF4-FFF2-40B4-BE49-F238E27FC236}">
+                <a16:creationId xmlns:a16="http://schemas.microsoft.com/office/drawing/2014/main" id="{31B1AA8B-E7BE-B15F-DE90-152F4D05E1C2}"/>
+              </a:ext>
+            </a:extLst>
+          </p:cNvPr>
+          <p:cNvSpPr/>
+          <p:nvPr/>
+        </p:nvSpPr>
+        <p:spPr>
+          <a:xfrm>
+            <a:off x="1619895" y="2265681"/>
+            <a:ext cx="1325034" cy="293935"/>
+          </a:xfrm>
+          <a:prstGeom prst="rect">
+            <a:avLst/>
+          </a:prstGeom>
+          <a:solidFill>
+            <a:schemeClr val="accent4">
+              <a:lumMod val="20000"/>
+              <a:lumOff val="80000"/>
+            </a:schemeClr>
+          </a:solidFill>
+          <a:ln>
+            <a:solidFill>
+              <a:srgbClr val="FF0000"/>
+            </a:solidFill>
+          </a:ln>
+        </p:spPr>
+        <p:style>
+          <a:lnRef idx="2">
+            <a:schemeClr val="accent1">
+              <a:shade val="15000"/>
+            </a:schemeClr>
+          </a:lnRef>
+          <a:fillRef idx="1">
+            <a:schemeClr val="accent1"/>
+          </a:fillRef>
+          <a:effectRef idx="0">
+            <a:schemeClr val="accent1"/>
+          </a:effectRef>
+          <a:fontRef idx="minor">
+            <a:schemeClr val="lt1"/>
+          </a:fontRef>
+        </p:style>
+        <p:txBody>
+          <a:bodyPr rtlCol="0" anchor="ctr"/>
+          <a:lstStyle/>
+          <a:p>
+            <a:pPr algn="ctr"/>
+            <a:r>
+              <a:rPr lang="ru-RU" sz="1100" dirty="0">
+                <a:solidFill>
+                  <a:schemeClr val="tx1"/>
+                </a:solidFill>
+              </a:rPr>
+              <a:t>состояние</a:t>
+            </a:r>
+          </a:p>
+        </p:txBody>
+      </p:sp>
+      <p:sp>
+        <p:nvSpPr>
+          <p:cNvPr id="24" name="Прямоугольник 23">
+            <a:extLst>
+              <a:ext uri="{FF2B5EF4-FFF2-40B4-BE49-F238E27FC236}">
+                <a16:creationId xmlns:a16="http://schemas.microsoft.com/office/drawing/2014/main" id="{6A09812C-19A4-7294-113A-9971994138DF}"/>
+              </a:ext>
+            </a:extLst>
+          </p:cNvPr>
+          <p:cNvSpPr/>
+          <p:nvPr/>
+        </p:nvSpPr>
+        <p:spPr>
+          <a:xfrm>
+            <a:off x="1619895" y="3021187"/>
+            <a:ext cx="1325034" cy="293935"/>
+          </a:xfrm>
+          <a:prstGeom prst="rect">
+            <a:avLst/>
+          </a:prstGeom>
+          <a:solidFill>
+            <a:schemeClr val="accent4">
+              <a:lumMod val="20000"/>
+              <a:lumOff val="80000"/>
+            </a:schemeClr>
+          </a:solidFill>
+          <a:ln>
+            <a:solidFill>
+              <a:srgbClr val="FF0000"/>
+            </a:solidFill>
+          </a:ln>
+        </p:spPr>
+        <p:style>
+          <a:lnRef idx="2">
+            <a:schemeClr val="accent1">
+              <a:shade val="15000"/>
+            </a:schemeClr>
+          </a:lnRef>
+          <a:fillRef idx="1">
+            <a:schemeClr val="accent1"/>
+          </a:fillRef>
+          <a:effectRef idx="0">
+            <a:schemeClr val="accent1"/>
+          </a:effectRef>
+          <a:fontRef idx="minor">
+            <a:schemeClr val="lt1"/>
+          </a:fontRef>
+        </p:style>
+        <p:txBody>
+          <a:bodyPr rtlCol="0" anchor="ctr"/>
+          <a:lstStyle/>
+          <a:p>
+            <a:pPr algn="ctr"/>
+            <a:r>
+              <a:rPr lang="ru-RU" sz="1100" dirty="0">
+                <a:solidFill>
+                  <a:schemeClr val="tx1"/>
+                </a:solidFill>
+              </a:rPr>
+              <a:t>температура</a:t>
+            </a:r>
+          </a:p>
+        </p:txBody>
+      </p:sp>
+      <p:sp>
+        <p:nvSpPr>
+          <p:cNvPr id="25" name="Прямоугольник 24">
+            <a:extLst>
+              <a:ext uri="{FF2B5EF4-FFF2-40B4-BE49-F238E27FC236}">
+                <a16:creationId xmlns:a16="http://schemas.microsoft.com/office/drawing/2014/main" id="{76B10A31-1B1D-0F45-9E41-F75D968C9963}"/>
+              </a:ext>
+            </a:extLst>
+          </p:cNvPr>
+          <p:cNvSpPr/>
+          <p:nvPr/>
+        </p:nvSpPr>
+        <p:spPr>
+          <a:xfrm>
+            <a:off x="1619895" y="3776405"/>
+            <a:ext cx="1325034" cy="293935"/>
+          </a:xfrm>
+          <a:prstGeom prst="rect">
+            <a:avLst/>
+          </a:prstGeom>
+          <a:solidFill>
+            <a:schemeClr val="accent4">
+              <a:lumMod val="20000"/>
+              <a:lumOff val="80000"/>
+            </a:schemeClr>
+          </a:solidFill>
+          <a:ln>
+            <a:solidFill>
+              <a:srgbClr val="FF0000"/>
+            </a:solidFill>
+          </a:ln>
+        </p:spPr>
+        <p:style>
+          <a:lnRef idx="2">
+            <a:schemeClr val="accent1">
+              <a:shade val="15000"/>
+            </a:schemeClr>
+          </a:lnRef>
+          <a:fillRef idx="1">
+            <a:schemeClr val="accent1"/>
+          </a:fillRef>
+          <a:effectRef idx="0">
+            <a:schemeClr val="accent1"/>
+          </a:effectRef>
+          <a:fontRef idx="minor">
+            <a:schemeClr val="lt1"/>
+          </a:fontRef>
+        </p:style>
+        <p:txBody>
+          <a:bodyPr rtlCol="0" anchor="ctr"/>
+          <a:lstStyle/>
+          <a:p>
+            <a:pPr algn="ctr"/>
+            <a:r>
+              <a:rPr lang="ru-RU" sz="1100" dirty="0">
+                <a:solidFill>
+                  <a:schemeClr val="tx1"/>
+                </a:solidFill>
+              </a:rPr>
+              <a:t>влажность</a:t>
+            </a:r>
+          </a:p>
+        </p:txBody>
+      </p:sp>
+      <p:sp>
+        <p:nvSpPr>
+          <p:cNvPr id="26" name="Прямоугольник 25">
+            <a:extLst>
+              <a:ext uri="{FF2B5EF4-FFF2-40B4-BE49-F238E27FC236}">
+                <a16:creationId xmlns:a16="http://schemas.microsoft.com/office/drawing/2014/main" id="{8DC9038A-E81B-3193-CA31-7FDF8DB9C5FC}"/>
+              </a:ext>
+            </a:extLst>
+          </p:cNvPr>
+          <p:cNvSpPr/>
+          <p:nvPr/>
+        </p:nvSpPr>
+        <p:spPr>
+          <a:xfrm>
+            <a:off x="1619895" y="4531767"/>
+            <a:ext cx="1325034" cy="293935"/>
+          </a:xfrm>
+          <a:prstGeom prst="rect">
+            <a:avLst/>
+          </a:prstGeom>
+          <a:solidFill>
+            <a:schemeClr val="accent4">
+              <a:lumMod val="20000"/>
+              <a:lumOff val="80000"/>
+            </a:schemeClr>
+          </a:solidFill>
+          <a:ln>
+            <a:solidFill>
+              <a:srgbClr val="FF0000"/>
+            </a:solidFill>
+          </a:ln>
+        </p:spPr>
+        <p:style>
+          <a:lnRef idx="2">
+            <a:schemeClr val="accent1">
+              <a:shade val="15000"/>
+            </a:schemeClr>
+          </a:lnRef>
+          <a:fillRef idx="1">
+            <a:schemeClr val="accent1"/>
+          </a:fillRef>
+          <a:effectRef idx="0">
+            <a:schemeClr val="accent1"/>
+          </a:effectRef>
+          <a:fontRef idx="minor">
+            <a:schemeClr val="lt1"/>
+          </a:fontRef>
+        </p:style>
+        <p:txBody>
+          <a:bodyPr rtlCol="0" anchor="ctr"/>
+          <a:lstStyle/>
+          <a:p>
+            <a:pPr algn="ctr"/>
+            <a:r>
+              <a:rPr lang="ru-RU" sz="1100" dirty="0">
+                <a:solidFill>
+                  <a:schemeClr val="tx1"/>
+                </a:solidFill>
+              </a:rPr>
+              <a:t>давление</a:t>
+            </a:r>
+          </a:p>
+        </p:txBody>
+      </p:sp>
+      <p:sp>
+        <p:nvSpPr>
+          <p:cNvPr id="27" name="Прямоугольник 26">
+            <a:extLst>
+              <a:ext uri="{FF2B5EF4-FFF2-40B4-BE49-F238E27FC236}">
+                <a16:creationId xmlns:a16="http://schemas.microsoft.com/office/drawing/2014/main" id="{CBE0BF7B-00CA-07EC-3DC3-AA2E680B6CB7}"/>
+              </a:ext>
+            </a:extLst>
+          </p:cNvPr>
+          <p:cNvSpPr/>
+          <p:nvPr/>
+        </p:nvSpPr>
+        <p:spPr>
+          <a:xfrm>
+            <a:off x="4035552" y="2265680"/>
+            <a:ext cx="1648476" cy="293935"/>
+          </a:xfrm>
+          <a:prstGeom prst="rect">
+            <a:avLst/>
+          </a:prstGeom>
+          <a:solidFill>
+            <a:schemeClr val="accent4">
+              <a:lumMod val="20000"/>
+              <a:lumOff val="80000"/>
+            </a:schemeClr>
+          </a:solidFill>
+          <a:ln>
+            <a:solidFill>
+              <a:srgbClr val="FF0000"/>
+            </a:solidFill>
+          </a:ln>
+        </p:spPr>
+        <p:style>
+          <a:lnRef idx="2">
+            <a:schemeClr val="accent1">
+              <a:shade val="15000"/>
+            </a:schemeClr>
+          </a:lnRef>
+          <a:fillRef idx="1">
+            <a:schemeClr val="accent1"/>
+          </a:fillRef>
+          <a:effectRef idx="0">
+            <a:schemeClr val="accent1"/>
+          </a:effectRef>
+          <a:fontRef idx="minor">
+            <a:schemeClr val="lt1"/>
+          </a:fontRef>
+        </p:style>
+        <p:txBody>
+          <a:bodyPr rtlCol="0" anchor="ctr"/>
+          <a:lstStyle/>
+          <a:p>
+            <a:pPr algn="ctr"/>
+            <a:r>
+              <a:rPr lang="ru-RU" sz="1100" dirty="0">
+                <a:solidFill>
+                  <a:schemeClr val="tx1"/>
+                </a:solidFill>
+              </a:rPr>
+              <a:t>установка температуры</a:t>
+            </a:r>
+          </a:p>
+        </p:txBody>
+      </p:sp>
+      <p:sp>
+        <p:nvSpPr>
+          <p:cNvPr id="28" name="Прямоугольник 27">
+            <a:extLst>
+              <a:ext uri="{FF2B5EF4-FFF2-40B4-BE49-F238E27FC236}">
+                <a16:creationId xmlns:a16="http://schemas.microsoft.com/office/drawing/2014/main" id="{8C761C69-6C7F-1A76-006F-83C11BFD7205}"/>
+              </a:ext>
+            </a:extLst>
+          </p:cNvPr>
+          <p:cNvSpPr/>
+          <p:nvPr/>
+        </p:nvSpPr>
+        <p:spPr>
+          <a:xfrm>
+            <a:off x="4035552" y="3282032"/>
+            <a:ext cx="1648476" cy="293935"/>
+          </a:xfrm>
+          <a:prstGeom prst="rect">
+            <a:avLst/>
+          </a:prstGeom>
+          <a:solidFill>
+            <a:schemeClr val="accent4">
+              <a:lumMod val="20000"/>
+              <a:lumOff val="80000"/>
+            </a:schemeClr>
+          </a:solidFill>
+          <a:ln>
+            <a:solidFill>
+              <a:srgbClr val="FF0000"/>
+            </a:solidFill>
+          </a:ln>
+        </p:spPr>
+        <p:style>
+          <a:lnRef idx="2">
+            <a:schemeClr val="accent1">
+              <a:shade val="15000"/>
+            </a:schemeClr>
+          </a:lnRef>
+          <a:fillRef idx="1">
+            <a:schemeClr val="accent1"/>
+          </a:fillRef>
+          <a:effectRef idx="0">
+            <a:schemeClr val="accent1"/>
+          </a:effectRef>
+          <a:fontRef idx="minor">
+            <a:schemeClr val="lt1"/>
+          </a:fontRef>
+        </p:style>
+        <p:txBody>
+          <a:bodyPr rtlCol="0" anchor="ctr"/>
+          <a:lstStyle/>
+          <a:p>
+            <a:pPr algn="ctr"/>
+            <a:r>
+              <a:rPr lang="ru-RU" sz="1100" dirty="0">
+                <a:solidFill>
+                  <a:schemeClr val="tx1"/>
+                </a:solidFill>
+              </a:rPr>
+              <a:t>установка состояния</a:t>
+            </a:r>
+          </a:p>
+        </p:txBody>
+      </p:sp>
+      <p:sp>
+        <p:nvSpPr>
+          <p:cNvPr id="29" name="Прямоугольник 28">
+            <a:extLst>
+              <a:ext uri="{FF2B5EF4-FFF2-40B4-BE49-F238E27FC236}">
+                <a16:creationId xmlns:a16="http://schemas.microsoft.com/office/drawing/2014/main" id="{9F4ED90D-AC13-9F85-55A1-080FF7E88FC3}"/>
+              </a:ext>
+            </a:extLst>
+          </p:cNvPr>
+          <p:cNvSpPr/>
+          <p:nvPr/>
+        </p:nvSpPr>
+        <p:spPr>
+          <a:xfrm>
+            <a:off x="4035552" y="4298386"/>
+            <a:ext cx="1648476" cy="293935"/>
+          </a:xfrm>
+          <a:prstGeom prst="rect">
+            <a:avLst/>
+          </a:prstGeom>
+          <a:solidFill>
+            <a:schemeClr val="accent4">
+              <a:lumMod val="20000"/>
+              <a:lumOff val="80000"/>
+            </a:schemeClr>
+          </a:solidFill>
+          <a:ln>
+            <a:solidFill>
+              <a:srgbClr val="FF0000"/>
+            </a:solidFill>
+          </a:ln>
+        </p:spPr>
+        <p:style>
+          <a:lnRef idx="2">
+            <a:schemeClr val="accent1">
+              <a:shade val="15000"/>
+            </a:schemeClr>
+          </a:lnRef>
+          <a:fillRef idx="1">
+            <a:schemeClr val="accent1"/>
+          </a:fillRef>
+          <a:effectRef idx="0">
+            <a:schemeClr val="accent1"/>
+          </a:effectRef>
+          <a:fontRef idx="minor">
+            <a:schemeClr val="lt1"/>
+          </a:fontRef>
+        </p:style>
+        <p:txBody>
+          <a:bodyPr rtlCol="0" anchor="ctr"/>
+          <a:lstStyle/>
+          <a:p>
+            <a:pPr algn="ctr"/>
+            <a:r>
+              <a:rPr lang="ru-RU" sz="1100" dirty="0">
+                <a:solidFill>
+                  <a:schemeClr val="tx1"/>
+                </a:solidFill>
+              </a:rPr>
+              <a:t>установка направления</a:t>
+            </a:r>
+          </a:p>
+        </p:txBody>
+      </p:sp>
+      <p:sp>
+        <p:nvSpPr>
+          <p:cNvPr id="30" name="Прямоугольник 29">
+            <a:extLst>
+              <a:ext uri="{FF2B5EF4-FFF2-40B4-BE49-F238E27FC236}">
+                <a16:creationId xmlns:a16="http://schemas.microsoft.com/office/drawing/2014/main" id="{11AB704A-D37E-39A5-5E2C-1FA91B3DE484}"/>
+              </a:ext>
+            </a:extLst>
+          </p:cNvPr>
+          <p:cNvSpPr/>
+          <p:nvPr/>
+        </p:nvSpPr>
+        <p:spPr>
+          <a:xfrm>
+            <a:off x="7018152" y="2265680"/>
+            <a:ext cx="2022778" cy="293935"/>
+          </a:xfrm>
+          <a:prstGeom prst="rect">
+            <a:avLst/>
+          </a:prstGeom>
+          <a:solidFill>
+            <a:schemeClr val="accent4">
+              <a:lumMod val="20000"/>
+              <a:lumOff val="80000"/>
+            </a:schemeClr>
+          </a:solidFill>
+          <a:ln>
+            <a:solidFill>
+              <a:srgbClr val="FF0000"/>
+            </a:solidFill>
+          </a:ln>
+        </p:spPr>
+        <p:style>
+          <a:lnRef idx="2">
+            <a:schemeClr val="accent1">
+              <a:shade val="15000"/>
+            </a:schemeClr>
+          </a:lnRef>
+          <a:fillRef idx="1">
+            <a:schemeClr val="accent1"/>
+          </a:fillRef>
+          <a:effectRef idx="0">
+            <a:schemeClr val="accent1"/>
+          </a:effectRef>
+          <a:fontRef idx="minor">
+            <a:schemeClr val="lt1"/>
+          </a:fontRef>
+        </p:style>
+        <p:txBody>
+          <a:bodyPr rtlCol="0" anchor="ctr"/>
+          <a:lstStyle/>
+          <a:p>
+            <a:pPr algn="ctr"/>
+            <a:r>
+              <a:rPr lang="ru-RU" sz="1100" dirty="0">
+                <a:solidFill>
+                  <a:schemeClr val="tx1"/>
+                </a:solidFill>
+              </a:rPr>
+              <a:t>установка цветовой темы</a:t>
+            </a:r>
+          </a:p>
+        </p:txBody>
+      </p:sp>
+      <p:sp>
+        <p:nvSpPr>
+          <p:cNvPr id="31" name="Прямоугольник 30">
+            <a:extLst>
+              <a:ext uri="{FF2B5EF4-FFF2-40B4-BE49-F238E27FC236}">
+                <a16:creationId xmlns:a16="http://schemas.microsoft.com/office/drawing/2014/main" id="{E7D83E41-5686-44D0-9857-9C31F419B5CE}"/>
+              </a:ext>
+            </a:extLst>
+          </p:cNvPr>
+          <p:cNvSpPr/>
+          <p:nvPr/>
+        </p:nvSpPr>
+        <p:spPr>
+          <a:xfrm>
+            <a:off x="7018152" y="3282032"/>
+            <a:ext cx="2022778" cy="293935"/>
+          </a:xfrm>
+          <a:prstGeom prst="rect">
+            <a:avLst/>
+          </a:prstGeom>
+          <a:solidFill>
+            <a:schemeClr val="accent4">
+              <a:lumMod val="20000"/>
+              <a:lumOff val="80000"/>
+            </a:schemeClr>
+          </a:solidFill>
+          <a:ln>
+            <a:solidFill>
+              <a:srgbClr val="FF0000"/>
+            </a:solidFill>
+          </a:ln>
+        </p:spPr>
+        <p:style>
+          <a:lnRef idx="2">
+            <a:schemeClr val="accent1">
+              <a:shade val="15000"/>
+            </a:schemeClr>
+          </a:lnRef>
+          <a:fillRef idx="1">
+            <a:schemeClr val="accent1"/>
+          </a:fillRef>
+          <a:effectRef idx="0">
+            <a:schemeClr val="accent1"/>
+          </a:effectRef>
+          <a:fontRef idx="minor">
+            <a:schemeClr val="lt1"/>
+          </a:fontRef>
+        </p:style>
+        <p:txBody>
+          <a:bodyPr rtlCol="0" anchor="ctr"/>
+          <a:lstStyle/>
+          <a:p>
+            <a:pPr algn="ctr"/>
+            <a:r>
+              <a:rPr lang="ru-RU" sz="1100" dirty="0">
+                <a:solidFill>
+                  <a:schemeClr val="tx1"/>
+                </a:solidFill>
+              </a:rPr>
+              <a:t>установка разрешения экрана</a:t>
+            </a:r>
+          </a:p>
+        </p:txBody>
+      </p:sp>
+      <p:sp>
+        <p:nvSpPr>
+          <p:cNvPr id="32" name="Прямоугольник 31">
+            <a:extLst>
+              <a:ext uri="{FF2B5EF4-FFF2-40B4-BE49-F238E27FC236}">
+                <a16:creationId xmlns:a16="http://schemas.microsoft.com/office/drawing/2014/main" id="{6A23A197-19DB-56DF-2ADD-BBF07F24F3EF}"/>
+              </a:ext>
+            </a:extLst>
+          </p:cNvPr>
+          <p:cNvSpPr/>
+          <p:nvPr/>
+        </p:nvSpPr>
+        <p:spPr>
+          <a:xfrm>
+            <a:off x="7018151" y="4298386"/>
+            <a:ext cx="2022778" cy="293935"/>
+          </a:xfrm>
+          <a:prstGeom prst="rect">
+            <a:avLst/>
+          </a:prstGeom>
+          <a:solidFill>
+            <a:schemeClr val="accent4">
+              <a:lumMod val="20000"/>
+              <a:lumOff val="80000"/>
+            </a:schemeClr>
+          </a:solidFill>
+          <a:ln>
+            <a:solidFill>
+              <a:srgbClr val="FF0000"/>
+            </a:solidFill>
+          </a:ln>
+        </p:spPr>
+        <p:style>
+          <a:lnRef idx="2">
+            <a:schemeClr val="accent1">
+              <a:shade val="15000"/>
+            </a:schemeClr>
+          </a:lnRef>
+          <a:fillRef idx="1">
+            <a:schemeClr val="accent1"/>
+          </a:fillRef>
+          <a:effectRef idx="0">
+            <a:schemeClr val="accent1"/>
+          </a:effectRef>
+          <a:fontRef idx="minor">
+            <a:schemeClr val="lt1"/>
+          </a:fontRef>
+        </p:style>
+        <p:txBody>
+          <a:bodyPr rtlCol="0" anchor="ctr"/>
+          <a:lstStyle/>
+          <a:p>
+            <a:pPr algn="ctr"/>
+            <a:r>
+              <a:rPr lang="ru-RU" sz="1100" dirty="0">
+                <a:solidFill>
+                  <a:schemeClr val="tx1"/>
+                </a:solidFill>
+              </a:rPr>
+              <a:t>перейти к руководству</a:t>
+            </a:r>
+          </a:p>
+        </p:txBody>
+      </p:sp>
+    </p:spTree>
+    <p:extLst>
+      <p:ext uri="{BB962C8B-B14F-4D97-AF65-F5344CB8AC3E}">
+        <p14:creationId xmlns:p14="http://schemas.microsoft.com/office/powerpoint/2010/main" val="191123256"/>
       </p:ext>
     </p:extLst>
   </p:cSld>
